--- a/linear-list/2022秋季-数据结构-第2章-实现基础.pptx
+++ b/linear-list/2022秋季-数据结构-第2章-实现基础.pptx
@@ -17,9 +17,9 @@
     <p:sldId id="259" r:id="rId7"/>
     <p:sldId id="276" r:id="rId8"/>
     <p:sldId id="277" r:id="rId9"/>
-    <p:sldId id="278" r:id="rId10"/>
-    <p:sldId id="279" r:id="rId11"/>
-    <p:sldId id="280" r:id="rId12"/>
+    <p:sldId id="280" r:id="rId10"/>
+    <p:sldId id="278" r:id="rId11"/>
+    <p:sldId id="279" r:id="rId12"/>
     <p:sldId id="260" r:id="rId13"/>
     <p:sldId id="261" r:id="rId14"/>
     <p:sldId id="281" r:id="rId15"/>
@@ -122,7 +122,7 @@
       </a:defRPr>
     </a:lvl9pPr>
   </p:defaultTextStyle>
-  <p:modifyVerifier cryptProviderType="rsaFull" cryptAlgorithmClass="hash" cryptAlgorithmType="typeAny" cryptAlgorithmSid="4" spinCount="100000" saltData="isK9DwV3uzhyPakr8EaQ4Q==" hashData="jV1zm4qYjH2SuhuGemOF+t0XqJU="/>
+  <p:modifyVerifier cryptProviderType="rsaFull" cryptAlgorithmClass="hash" cryptAlgorithmType="typeAny" cryptAlgorithmSid="4" spinCount="100000" saltData="Hsfr+Ri02Z6Ji2/P2p8Vrg==" hashData="AK16DT4aeYcHGlAH1HWvklEKc+Q="/>
 </p:presentation>
 </file>
 
@@ -3820,7 +3820,7 @@
         <p:spPr>
           <a:xfrm>
             <a:off x="6777355" y="3315335"/>
-            <a:ext cx="5074920" cy="1014730"/>
+            <a:ext cx="5074920" cy="1322070"/>
           </a:xfrm>
           <a:prstGeom prst="rect">
             <a:avLst/>
@@ -3856,14 +3856,48 @@
                 <a:latin typeface="黑体" charset="0"/>
                 <a:ea typeface="黑体" charset="0"/>
               </a:rPr>
-              <a:t>考虑循环不变式。如何构建、维护其（初始、维护、</a:t>
-            </a:r>
+              <a:t>考虑循环不变式</a:t>
+            </a:r>
+            <a:endParaRPr lang="zh-CN" altLang="en-US" sz="2000">
+              <a:latin typeface="黑体" charset="0"/>
+              <a:ea typeface="黑体" charset="0"/>
+            </a:endParaRPr>
+          </a:p>
+          <a:p>
             <a:r>
               <a:rPr lang="zh-CN" altLang="en-US" sz="2000">
                 <a:latin typeface="黑体" charset="0"/>
                 <a:ea typeface="黑体" charset="0"/>
               </a:rPr>
-              <a:t>结束）？</a:t>
+              <a:t>如何构建、维护</a:t>
+            </a:r>
+            <a:r>
+              <a:rPr lang="zh-CN" altLang="en-US" sz="2000">
+                <a:latin typeface="黑体" charset="0"/>
+                <a:ea typeface="黑体" charset="0"/>
+              </a:rPr>
+              <a:t>其</a:t>
+            </a:r>
+            <a:endParaRPr lang="zh-CN" altLang="en-US" sz="2000">
+              <a:latin typeface="黑体" charset="0"/>
+              <a:ea typeface="黑体" charset="0"/>
+            </a:endParaRPr>
+          </a:p>
+          <a:p>
+            <a:r>
+              <a:rPr lang="zh-CN" altLang="en-US" sz="2000">
+                <a:latin typeface="黑体" charset="0"/>
+                <a:ea typeface="黑体" charset="0"/>
+              </a:rPr>
+              <a:t>要点：</a:t>
+            </a:r>
+            <a:r>
+              <a:rPr lang="zh-CN" altLang="en-US" sz="2000">
+                <a:latin typeface="黑体" charset="0"/>
+                <a:ea typeface="黑体" charset="0"/>
+                <a:sym typeface="+mn-ea"/>
+              </a:rPr>
+              <a:t>初始、维护、结束</a:t>
             </a:r>
             <a:endParaRPr lang="zh-CN" altLang="en-US" sz="2000">
               <a:latin typeface="黑体" charset="0"/>
@@ -4097,7 +4131,7 @@
         </p:blipFill>
         <p:spPr>
           <a:xfrm>
-            <a:off x="4086225" y="3628390"/>
+            <a:off x="3515360" y="3628390"/>
             <a:ext cx="4019550" cy="2114550"/>
           </a:xfrm>
           <a:prstGeom prst="rect">
@@ -4221,8 +4255,8 @@
         </p:nvSpPr>
         <p:spPr>
           <a:xfrm>
-            <a:off x="8209915" y="4270375"/>
-            <a:ext cx="3881755" cy="1014730"/>
+            <a:off x="7630795" y="4178300"/>
+            <a:ext cx="4458335" cy="1014730"/>
           </a:xfrm>
           <a:prstGeom prst="rect">
             <a:avLst/>
@@ -4234,6 +4268,7 @@
             <a:spAutoFit/>
           </a:bodyPr>
           <a:p>
+            <a:pPr algn="l"/>
             <a:r>
               <a:rPr lang="zh-CN" altLang="en-US" sz="2000" b="1">
                 <a:solidFill>
@@ -4250,12 +4285,27 @@
             </a:endParaRPr>
           </a:p>
           <a:p>
+            <a:pPr algn="l"/>
             <a:r>
               <a:rPr lang="zh-CN" altLang="en-US" sz="2000">
                 <a:latin typeface="黑体" charset="0"/>
                 <a:ea typeface="黑体" charset="0"/>
               </a:rPr>
-              <a:t>如何用递归方法解决该问题（虽然效率较为低下，不是</a:t>
+              <a:t>如何用递归方法解决该问题</a:t>
+            </a:r>
+            <a:endParaRPr lang="zh-CN" altLang="en-US" sz="2000">
+              <a:latin typeface="黑体" charset="0"/>
+              <a:ea typeface="黑体" charset="0"/>
+            </a:endParaRPr>
+          </a:p>
+          <a:p>
+            <a:pPr algn="l"/>
+            <a:r>
+              <a:rPr lang="zh-CN" altLang="en-US" sz="2000">
+                <a:latin typeface="黑体" charset="0"/>
+                <a:ea typeface="黑体" charset="0"/>
+              </a:rPr>
+              <a:t>（虽然效率较为低下，不是</a:t>
             </a:r>
             <a:r>
               <a:rPr lang="zh-CN" altLang="en-US" sz="2000">
@@ -4724,7 +4774,21 @@
                 <a:latin typeface="黑体" charset="0"/>
                 <a:ea typeface="黑体" charset="0"/>
               </a:rPr>
-              <a:t>数组名是数组中第1个元素（下标为0）的地址，可以看作是常量指针</a:t>
+              <a:t>数组名是数组中第</a:t>
+            </a:r>
+            <a:r>
+              <a:rPr lang="en-US" altLang="zh-CN">
+                <a:latin typeface="黑体" charset="0"/>
+                <a:ea typeface="黑体" charset="0"/>
+              </a:rPr>
+              <a:t>0</a:t>
+            </a:r>
+            <a:r>
+              <a:rPr lang="zh-CN" altLang="en-US">
+                <a:latin typeface="黑体" charset="0"/>
+                <a:ea typeface="黑体" charset="0"/>
+              </a:rPr>
+              <a:t>个元素的地址，可以看作是常量指针</a:t>
             </a:r>
             <a:endParaRPr lang="zh-CN" altLang="en-US">
               <a:latin typeface="黑体" charset="0"/>
@@ -5148,7 +5212,7 @@
             </a:endParaRPr>
           </a:p>
           <a:p>
-            <a:pPr lvl="0" algn="l">
+            <a:pPr lvl="1" algn="l">
               <a:buClrTx/>
               <a:buSzTx/>
               <a:buFont typeface="Wingdings" panose="05000000000000000000" charset="0"/>
@@ -5230,7 +5294,11 @@
           <a:p>
             <a:r>
               <a:rPr lang="zh-CN" altLang="en-US"/>
-              <a:t>结构指针：指向结构的指针</a:t>
+              <a:t>结构指针：指向结构类型</a:t>
+            </a:r>
+            <a:r>
+              <a:rPr lang="zh-CN" altLang="en-US"/>
+              <a:t>变量的指针</a:t>
             </a:r>
             <a:endParaRPr lang="zh-CN" altLang="en-US"/>
           </a:p>
@@ -5492,76 +5560,151 @@
           <a:bodyPr/>
           <a:p>
             <a:r>
+              <a:rPr lang="zh-CN" altLang="en-US">
+                <a:sym typeface="+mn-ea"/>
+              </a:rPr>
+              <a:t>链表的</a:t>
+            </a:r>
+            <a:r>
+              <a:rPr lang="zh-CN" altLang="en-US">
+                <a:sym typeface="+mn-ea"/>
+              </a:rPr>
+              <a:t>建立</a:t>
+            </a:r>
+            <a:endParaRPr lang="zh-CN" altLang="en-US">
+              <a:sym typeface="+mn-ea"/>
+            </a:endParaRPr>
+          </a:p>
+        </p:txBody>
+      </p:sp>
+      <p:sp>
+        <p:nvSpPr>
+          <p:cNvPr id="3" name="内容占位符 2"/>
+          <p:cNvSpPr>
+            <a:spLocks noGrp="1"/>
+          </p:cNvSpPr>
+          <p:nvPr>
+            <p:ph idx="1"/>
+          </p:nvPr>
+        </p:nvSpPr>
+        <p:spPr/>
+        <p:txBody>
+          <a:bodyPr>
+            <a:normAutofit lnSpcReduction="20000"/>
+          </a:bodyPr>
+          <a:p>
+            <a:pPr>
+              <a:lnSpc>
+                <a:spcPct val="100000"/>
+              </a:lnSpc>
+            </a:pPr>
+            <a:r>
               <a:rPr lang="zh-CN" altLang="en-US"/>
-              <a:t>单向链表的常见操作</a:t>
+              <a:t>有两种常见的插入结点方式：</a:t>
             </a:r>
             <a:endParaRPr lang="zh-CN" altLang="en-US"/>
           </a:p>
-        </p:txBody>
-      </p:sp>
-      <p:sp>
-        <p:nvSpPr>
-          <p:cNvPr id="3" name="内容占位符 2"/>
-          <p:cNvSpPr>
-            <a:spLocks noGrp="1"/>
-          </p:cNvSpPr>
-          <p:nvPr>
-            <p:ph idx="1"/>
-          </p:nvPr>
-        </p:nvSpPr>
-        <p:spPr/>
-        <p:txBody>
-          <a:bodyPr/>
-          <a:p>
+          <a:p>
+            <a:pPr marL="914400" lvl="1" indent="-457200">
+              <a:lnSpc>
+                <a:spcPct val="100000"/>
+              </a:lnSpc>
+              <a:buFont typeface="+mj-lt"/>
+              <a:buAutoNum type="arabicPeriod"/>
+            </a:pPr>
             <a:r>
               <a:rPr lang="zh-CN" altLang="en-US"/>
-              <a:t>结构体</a:t>
-            </a:r>
+              <a:t>在链表的头上不断插入新结点</a:t>
+            </a:r>
+            <a:endParaRPr lang="zh-CN" altLang="en-US"/>
+          </a:p>
+          <a:p>
+            <a:pPr marL="914400" lvl="1" indent="-457200">
+              <a:lnSpc>
+                <a:spcPct val="100000"/>
+              </a:lnSpc>
+              <a:buFont typeface="Wingdings" panose="05000000000000000000" charset="0"/>
+              <a:buAutoNum type="arabicPeriod"/>
+            </a:pPr>
             <a:r>
               <a:rPr lang="zh-CN" altLang="en-US"/>
-              <a:t>类型</a:t>
+              <a:t>在链表的尾部不断插入新结点</a:t>
             </a:r>
             <a:endParaRPr lang="zh-CN" altLang="en-US"/>
           </a:p>
           <a:p>
+            <a:pPr lvl="0">
+              <a:lnSpc>
+                <a:spcPct val="100000"/>
+              </a:lnSpc>
+              <a:buFont typeface="Wingdings" panose="05000000000000000000" charset="0"/>
+              <a:buChar char=""/>
+            </a:pPr>
+            <a:r>
+              <a:rPr lang="zh-CN" altLang="en-US"/>
+              <a:t>如果是后者，一般需要有一个临时的结点指针一直指向当前链表的最后一个结点，以方便新结点的插入</a:t>
+            </a:r>
             <a:endParaRPr lang="zh-CN" altLang="en-US"/>
           </a:p>
           <a:p>
+            <a:pPr lvl="0">
+              <a:lnSpc>
+                <a:spcPct val="100000"/>
+              </a:lnSpc>
+              <a:buFont typeface="Wingdings" panose="05000000000000000000" charset="0"/>
+              <a:buChar char=""/>
+            </a:pPr>
+            <a:r>
+              <a:rPr lang="zh-CN" altLang="en-US"/>
+              <a:t>带头结点的单向链</a:t>
+            </a:r>
+            <a:r>
+              <a:rPr lang="zh-CN" altLang="en-US"/>
+              <a:t>表</a:t>
+            </a:r>
             <a:endParaRPr lang="zh-CN" altLang="en-US"/>
           </a:p>
           <a:p>
+            <a:pPr lvl="0">
+              <a:lnSpc>
+                <a:spcPct val="100000"/>
+              </a:lnSpc>
+              <a:buFont typeface="Wingdings" panose="05000000000000000000" charset="0"/>
+              <a:buChar char=""/>
+            </a:pPr>
+            <a:r>
+              <a:rPr lang="zh-CN" altLang="en-US"/>
+              <a:t>结构体类型</a:t>
+            </a:r>
             <a:endParaRPr lang="zh-CN" altLang="en-US"/>
           </a:p>
           <a:p>
+            <a:pPr lvl="0">
+              <a:lnSpc>
+                <a:spcPct val="100000"/>
+              </a:lnSpc>
+              <a:buFont typeface="Wingdings" panose="05000000000000000000" charset="0"/>
+              <a:buChar char=""/>
+            </a:pPr>
             <a:endParaRPr lang="zh-CN" altLang="en-US"/>
           </a:p>
           <a:p>
+            <a:pPr lvl="0">
+              <a:lnSpc>
+                <a:spcPct val="100000"/>
+              </a:lnSpc>
+              <a:buFont typeface="Wingdings" panose="05000000000000000000" charset="0"/>
+              <a:buChar char=""/>
+            </a:pPr>
             <a:r>
               <a:rPr lang="zh-CN" altLang="en-US"/>
-              <a:t>插入结点：</a:t>
-            </a:r>
-            <a:r>
-              <a:rPr lang="zh-CN" altLang="en-US">
-                <a:latin typeface="Arial Regular" panose="020B0604020202020204" charset="0"/>
-                <a:cs typeface="Arial Regular" panose="020B0604020202020204" charset="0"/>
-              </a:rPr>
-              <a:t>p</a:t>
+              <a:t>代码演示：create</a:t>
             </a:r>
             <a:r>
               <a:rPr lang="zh-CN" altLang="en-US"/>
-              <a:t>之后插入新结点</a:t>
-            </a:r>
-            <a:r>
-              <a:rPr lang="zh-CN" altLang="en-US">
-                <a:latin typeface="Arial Regular" panose="020B0604020202020204" charset="0"/>
-                <a:cs typeface="Arial Regular" panose="020B0604020202020204" charset="0"/>
-              </a:rPr>
-              <a:t>t</a:t>
-            </a:r>
-            <a:endParaRPr lang="zh-CN" altLang="en-US">
-              <a:latin typeface="Arial Regular" panose="020B0604020202020204" charset="0"/>
-              <a:cs typeface="Arial Regular" panose="020B0604020202020204" charset="0"/>
-            </a:endParaRPr>
+              <a:t>函数</a:t>
+            </a:r>
+            <a:endParaRPr lang="zh-CN" altLang="en-US"/>
           </a:p>
         </p:txBody>
       </p:sp>
@@ -5573,8 +5716,8 @@
         </p:nvSpPr>
         <p:spPr>
           <a:xfrm>
-            <a:off x="647700" y="2459990"/>
-            <a:ext cx="9446260" cy="1814830"/>
+            <a:off x="5703570" y="4010660"/>
+            <a:ext cx="5215890" cy="2553335"/>
           </a:xfrm>
           <a:prstGeom prst="rect">
             <a:avLst/>
@@ -5588,99 +5731,224 @@
           <a:p>
             <a:pPr algn="l"/>
             <a:r>
-              <a:rPr sz="1600">
-                <a:latin typeface="Courier New Regular" panose="02070309020205020404" charset="0"/>
-                <a:cs typeface="Courier New Regular" panose="02070309020205020404" charset="0"/>
+              <a:rPr sz="2000" b="1">
+                <a:solidFill>
+                  <a:srgbClr val="C00000"/>
+                </a:solidFill>
+                <a:latin typeface="Courier New Bold" panose="02070309020205020404" charset="0"/>
+                <a:cs typeface="Courier New Bold" panose="02070309020205020404" charset="0"/>
               </a:rPr>
               <a:t>/**</a:t>
             </a:r>
-            <a:endParaRPr sz="1600">
-              <a:latin typeface="Courier New Regular" panose="02070309020205020404" charset="0"/>
-              <a:cs typeface="Courier New Regular" panose="02070309020205020404" charset="0"/>
+            <a:endParaRPr sz="2000" b="1">
+              <a:solidFill>
+                <a:srgbClr val="C00000"/>
+              </a:solidFill>
+              <a:latin typeface="Courier New Bold" panose="02070309020205020404" charset="0"/>
+              <a:cs typeface="Courier New Bold" panose="02070309020205020404" charset="0"/>
             </a:endParaRPr>
           </a:p>
           <a:p>
             <a:pPr algn="l"/>
             <a:r>
-              <a:rPr sz="1600">
-                <a:latin typeface="Courier New Regular" panose="02070309020205020404" charset="0"/>
-                <a:cs typeface="Courier New Regular" panose="02070309020205020404" charset="0"/>
+              <a:rPr sz="2000" b="1">
+                <a:solidFill>
+                  <a:srgbClr val="C00000"/>
+                </a:solidFill>
+                <a:latin typeface="Courier New Bold" panose="02070309020205020404" charset="0"/>
+                <a:cs typeface="Courier New Bold" panose="02070309020205020404" charset="0"/>
               </a:rPr>
               <a:t> * Definition for singly-linked list.</a:t>
             </a:r>
-            <a:endParaRPr sz="1600">
-              <a:latin typeface="Courier New Regular" panose="02070309020205020404" charset="0"/>
-              <a:cs typeface="Courier New Regular" panose="02070309020205020404" charset="0"/>
+            <a:endParaRPr sz="2000" b="1">
+              <a:solidFill>
+                <a:srgbClr val="C00000"/>
+              </a:solidFill>
+              <a:latin typeface="Courier New Bold" panose="02070309020205020404" charset="0"/>
+              <a:cs typeface="Courier New Bold" panose="02070309020205020404" charset="0"/>
             </a:endParaRPr>
           </a:p>
           <a:p>
             <a:pPr algn="l"/>
             <a:r>
-              <a:rPr sz="1600">
-                <a:latin typeface="Courier New Regular" panose="02070309020205020404" charset="0"/>
-                <a:cs typeface="Courier New Regular" panose="02070309020205020404" charset="0"/>
+              <a:rPr sz="2000" b="1">
+                <a:solidFill>
+                  <a:srgbClr val="C00000"/>
+                </a:solidFill>
+                <a:latin typeface="Courier New Bold" panose="02070309020205020404" charset="0"/>
+                <a:cs typeface="Courier New Bold" panose="02070309020205020404" charset="0"/>
               </a:rPr>
               <a:t> * struct ListNode {</a:t>
             </a:r>
-            <a:endParaRPr sz="1600">
-              <a:latin typeface="Courier New Regular" panose="02070309020205020404" charset="0"/>
-              <a:cs typeface="Courier New Regular" panose="02070309020205020404" charset="0"/>
+            <a:endParaRPr sz="2000" b="1">
+              <a:solidFill>
+                <a:srgbClr val="C00000"/>
+              </a:solidFill>
+              <a:latin typeface="Courier New Bold" panose="02070309020205020404" charset="0"/>
+              <a:cs typeface="Courier New Bold" panose="02070309020205020404" charset="0"/>
             </a:endParaRPr>
           </a:p>
           <a:p>
             <a:pPr algn="l"/>
             <a:r>
-              <a:rPr sz="1600">
-                <a:latin typeface="Courier New Regular" panose="02070309020205020404" charset="0"/>
-                <a:cs typeface="Courier New Regular" panose="02070309020205020404" charset="0"/>
+              <a:rPr sz="2000" b="1">
+                <a:solidFill>
+                  <a:srgbClr val="C00000"/>
+                </a:solidFill>
+                <a:latin typeface="Courier New Bold" panose="02070309020205020404" charset="0"/>
+                <a:cs typeface="Courier New Bold" panose="02070309020205020404" charset="0"/>
               </a:rPr>
               <a:t> *     int val;</a:t>
             </a:r>
-            <a:endParaRPr sz="1600">
-              <a:latin typeface="Courier New Regular" panose="02070309020205020404" charset="0"/>
-              <a:cs typeface="Courier New Regular" panose="02070309020205020404" charset="0"/>
+            <a:endParaRPr sz="2000" b="1">
+              <a:solidFill>
+                <a:srgbClr val="C00000"/>
+              </a:solidFill>
+              <a:latin typeface="Courier New Bold" panose="02070309020205020404" charset="0"/>
+              <a:cs typeface="Courier New Bold" panose="02070309020205020404" charset="0"/>
             </a:endParaRPr>
           </a:p>
           <a:p>
             <a:pPr algn="l"/>
             <a:r>
-              <a:rPr sz="1600">
-                <a:latin typeface="Courier New Regular" panose="02070309020205020404" charset="0"/>
-                <a:cs typeface="Courier New Regular" panose="02070309020205020404" charset="0"/>
+              <a:rPr sz="2000" b="1">
+                <a:solidFill>
+                  <a:srgbClr val="C00000"/>
+                </a:solidFill>
+                <a:latin typeface="Courier New Bold" panose="02070309020205020404" charset="0"/>
+                <a:cs typeface="Courier New Bold" panose="02070309020205020404" charset="0"/>
               </a:rPr>
               <a:t> *     struct ListNode *next;</a:t>
             </a:r>
-            <a:endParaRPr sz="1600">
-              <a:latin typeface="Courier New Regular" panose="02070309020205020404" charset="0"/>
-              <a:cs typeface="Courier New Regular" panose="02070309020205020404" charset="0"/>
+            <a:endParaRPr sz="2000" b="1">
+              <a:solidFill>
+                <a:srgbClr val="C00000"/>
+              </a:solidFill>
+              <a:latin typeface="Courier New Bold" panose="02070309020205020404" charset="0"/>
+              <a:cs typeface="Courier New Bold" panose="02070309020205020404" charset="0"/>
             </a:endParaRPr>
           </a:p>
           <a:p>
             <a:pPr algn="l"/>
             <a:r>
-              <a:rPr sz="1600">
-                <a:latin typeface="Courier New Regular" panose="02070309020205020404" charset="0"/>
-                <a:cs typeface="Courier New Regular" panose="02070309020205020404" charset="0"/>
+              <a:rPr sz="2000" b="1">
+                <a:solidFill>
+                  <a:srgbClr val="C00000"/>
+                </a:solidFill>
+                <a:latin typeface="Courier New Bold" panose="02070309020205020404" charset="0"/>
+                <a:cs typeface="Courier New Bold" panose="02070309020205020404" charset="0"/>
               </a:rPr>
               <a:t> * };</a:t>
             </a:r>
-            <a:endParaRPr sz="1600">
-              <a:latin typeface="Courier New Regular" panose="02070309020205020404" charset="0"/>
-              <a:cs typeface="Courier New Regular" panose="02070309020205020404" charset="0"/>
+            <a:endParaRPr sz="2000" b="1">
+              <a:solidFill>
+                <a:srgbClr val="C00000"/>
+              </a:solidFill>
+              <a:latin typeface="Courier New Bold" panose="02070309020205020404" charset="0"/>
+              <a:cs typeface="Courier New Bold" panose="02070309020205020404" charset="0"/>
             </a:endParaRPr>
           </a:p>
           <a:p>
             <a:pPr algn="l"/>
             <a:r>
-              <a:rPr sz="1600">
-                <a:latin typeface="Courier New Regular" panose="02070309020205020404" charset="0"/>
-                <a:cs typeface="Courier New Regular" panose="02070309020205020404" charset="0"/>
+              <a:rPr sz="2000" b="1">
+                <a:solidFill>
+                  <a:srgbClr val="C00000"/>
+                </a:solidFill>
+                <a:latin typeface="Courier New Bold" panose="02070309020205020404" charset="0"/>
+                <a:cs typeface="Courier New Bold" panose="02070309020205020404" charset="0"/>
               </a:rPr>
               <a:t> */</a:t>
             </a:r>
-            <a:endParaRPr sz="1600">
-              <a:latin typeface="Courier New Regular" panose="02070309020205020404" charset="0"/>
-              <a:cs typeface="Courier New Regular" panose="02070309020205020404" charset="0"/>
+            <a:endParaRPr sz="2000" b="1">
+              <a:solidFill>
+                <a:srgbClr val="C00000"/>
+              </a:solidFill>
+              <a:latin typeface="Courier New Bold" panose="02070309020205020404" charset="0"/>
+              <a:cs typeface="Courier New Bold" panose="02070309020205020404" charset="0"/>
+            </a:endParaRPr>
+          </a:p>
+        </p:txBody>
+      </p:sp>
+    </p:spTree>
+  </p:cSld>
+  <p:clrMapOvr>
+    <a:masterClrMapping/>
+  </p:clrMapOvr>
+</p:sld>
+</file>
+
+<file path=ppt/slides/slide8.xml><?xml version="1.0" encoding="utf-8"?>
+<p:sld xmlns:a="http://schemas.openxmlformats.org/drawingml/2006/main" xmlns:r="http://schemas.openxmlformats.org/officeDocument/2006/relationships" xmlns:p="http://schemas.openxmlformats.org/presentationml/2006/main">
+  <p:cSld>
+    <p:spTree>
+      <p:nvGrpSpPr>
+        <p:cNvPr id="1" name=""/>
+        <p:cNvGrpSpPr/>
+        <p:nvPr/>
+      </p:nvGrpSpPr>
+      <p:grpSpPr/>
+      <p:sp>
+        <p:nvSpPr>
+          <p:cNvPr id="2" name="标题 1"/>
+          <p:cNvSpPr>
+            <a:spLocks noGrp="1"/>
+          </p:cNvSpPr>
+          <p:nvPr>
+            <p:ph type="title"/>
+          </p:nvPr>
+        </p:nvSpPr>
+        <p:spPr/>
+        <p:txBody>
+          <a:bodyPr/>
+          <a:p>
+            <a:r>
+              <a:rPr lang="zh-CN" altLang="en-US"/>
+              <a:t>单向链表的常见操作</a:t>
+            </a:r>
+            <a:endParaRPr lang="zh-CN" altLang="en-US"/>
+          </a:p>
+        </p:txBody>
+      </p:sp>
+      <p:sp>
+        <p:nvSpPr>
+          <p:cNvPr id="3" name="内容占位符 2"/>
+          <p:cNvSpPr>
+            <a:spLocks noGrp="1"/>
+          </p:cNvSpPr>
+          <p:nvPr>
+            <p:ph idx="1"/>
+          </p:nvPr>
+        </p:nvSpPr>
+        <p:spPr/>
+        <p:txBody>
+          <a:bodyPr/>
+          <a:p>
+            <a:r>
+              <a:rPr lang="zh-CN" altLang="en-US"/>
+              <a:t>插入结点：</a:t>
+            </a:r>
+            <a:r>
+              <a:rPr lang="zh-CN" altLang="en-US">
+                <a:latin typeface="Arial Regular" panose="020B0604020202020204" charset="0"/>
+                <a:cs typeface="Arial Regular" panose="020B0604020202020204" charset="0"/>
+              </a:rPr>
+              <a:t>p</a:t>
+            </a:r>
+            <a:r>
+              <a:rPr lang="zh-CN" altLang="en-US"/>
+              <a:t>之后插入新结点</a:t>
+            </a:r>
+            <a:r>
+              <a:rPr lang="zh-CN" altLang="en-US">
+                <a:latin typeface="Arial Regular" panose="020B0604020202020204" charset="0"/>
+                <a:cs typeface="Arial Regular" panose="020B0604020202020204" charset="0"/>
+              </a:rPr>
+              <a:t>t</a:t>
+            </a:r>
+            <a:endParaRPr lang="zh-CN" altLang="en-US">
+              <a:latin typeface="Arial Regular" panose="020B0604020202020204" charset="0"/>
+              <a:cs typeface="Arial Regular" panose="020B0604020202020204" charset="0"/>
             </a:endParaRPr>
           </a:p>
         </p:txBody>
@@ -5693,10 +5961,10 @@
         </p:nvGrpSpPr>
         <p:grpSpPr>
           <a:xfrm>
-            <a:off x="3029585" y="5088890"/>
-            <a:ext cx="6929120" cy="1213485"/>
+            <a:off x="2440940" y="3538855"/>
+            <a:ext cx="6929755" cy="1214120"/>
             <a:chOff x="2475" y="2588"/>
-            <a:chExt cx="10912" cy="1911"/>
+            <a:chExt cx="10913" cy="1912"/>
           </a:xfrm>
         </p:grpSpPr>
         <p:grpSp>
@@ -6495,17 +6763,19 @@
           </p:nvSpPr>
           <p:spPr>
             <a:xfrm flipV="1">
-              <a:off x="6638" y="2925"/>
-              <a:ext cx="687" cy="0"/>
+              <a:off x="6638" y="2924"/>
+              <a:ext cx="618" cy="1"/>
             </a:xfrm>
             <a:prstGeom prst="line">
               <a:avLst/>
             </a:prstGeom>
-            <a:ln w="9525" cap="flat" cmpd="sng">
+            <a:ln w="12700" cap="flat" cmpd="sng">
               <a:solidFill>
-                <a:srgbClr val="000000"/>
+                <a:schemeClr val="accent1">
+                  <a:shade val="50000"/>
+                </a:schemeClr>
               </a:solidFill>
-              <a:prstDash val="solid"/>
+              <a:prstDash val="lgDash"/>
               <a:headEnd type="none" w="med" len="med"/>
               <a:tailEnd type="triangle" w="med" len="med"/>
             </a:ln>
@@ -6533,8 +6803,8 @@
             </p:nvSpPr>
             <p:spPr>
               <a:xfrm>
-                <a:off x="4929190" y="2071678"/>
-                <a:ext cx="3571868" cy="400110"/>
+                <a:off x="4929190" y="2072615"/>
+                <a:ext cx="3571868" cy="398237"/>
               </a:xfrm>
               <a:prstGeom prst="rect">
                 <a:avLst/>
@@ -6557,7 +6827,7 @@
                     <a:latin typeface="Courier" charset="0"/>
                     <a:cs typeface="Courier" charset="0"/>
                   </a:rPr>
-                  <a:t>t-&gt;Next = p-&gt;Next;</a:t>
+                  <a:t>t-&gt;next = p-&gt;next;</a:t>
                 </a:r>
                 <a:endParaRPr lang="en-US" altLang="zh-CN" sz="2000" b="1" dirty="0">
                   <a:latin typeface="Courier" charset="0"/>
@@ -6600,7 +6870,7 @@
           <p:spPr>
             <a:xfrm>
               <a:off x="2700" y="3600"/>
-              <a:ext cx="3150" cy="583"/>
+              <a:ext cx="3150" cy="580"/>
             </a:xfrm>
             <a:prstGeom prst="rect">
               <a:avLst/>
@@ -6623,7 +6893,7 @@
                   <a:latin typeface="Courier" charset="0"/>
                   <a:cs typeface="Courier" charset="0"/>
                 </a:rPr>
-                <a:t>p-&gt;Next = t;</a:t>
+                <a:t>p-&gt;next = t;</a:t>
               </a:r>
               <a:r>
                 <a:rPr lang="en-US" altLang="zh-CN" b="1" dirty="0">
@@ -6655,7 +6925,7 @@
 </p:sld>
 </file>
 
-<file path=ppt/slides/slide8.xml><?xml version="1.0" encoding="utf-8"?>
+<file path=ppt/slides/slide9.xml><?xml version="1.0" encoding="utf-8"?>
 <p:sld xmlns:a="http://schemas.openxmlformats.org/drawingml/2006/main" xmlns:r="http://schemas.openxmlformats.org/officeDocument/2006/relationships" xmlns:p="http://schemas.openxmlformats.org/presentationml/2006/main">
   <p:cSld>
     <p:spTree>
@@ -6733,10 +7003,10 @@
         </p:nvGrpSpPr>
         <p:grpSpPr>
           <a:xfrm>
-            <a:off x="2757805" y="2223770"/>
-            <a:ext cx="5900420" cy="1583690"/>
-            <a:chOff x="2363" y="5493"/>
-            <a:chExt cx="9292" cy="2494"/>
+            <a:off x="2757805" y="2224747"/>
+            <a:ext cx="5900420" cy="1582137"/>
+            <a:chOff x="2363" y="5495"/>
+            <a:chExt cx="9292" cy="2492"/>
           </a:xfrm>
         </p:grpSpPr>
         <p:grpSp>
@@ -7239,10 +7509,10 @@
           </p:nvGrpSpPr>
           <p:grpSpPr>
             <a:xfrm>
-              <a:off x="7763" y="5493"/>
-              <a:ext cx="3892" cy="1350"/>
-              <a:chOff x="3958291" y="3143248"/>
-              <a:chExt cx="2471098" cy="856696"/>
+              <a:off x="7763" y="5495"/>
+              <a:ext cx="3892" cy="1348"/>
+              <a:chOff x="3958291" y="3144224"/>
+              <a:chExt cx="2471098" cy="855720"/>
             </a:xfrm>
           </p:grpSpPr>
           <p:sp>
@@ -7253,8 +7523,8 @@
             </p:nvSpPr>
             <p:spPr>
               <a:xfrm>
-                <a:off x="4214811" y="3143248"/>
-                <a:ext cx="2214578" cy="400474"/>
+                <a:off x="4214811" y="3144224"/>
+                <a:ext cx="2214578" cy="398522"/>
               </a:xfrm>
               <a:prstGeom prst="rect">
                 <a:avLst/>
@@ -7277,7 +7547,7 @@
                     <a:latin typeface="Courier" charset="0"/>
                     <a:cs typeface="Courier" charset="0"/>
                   </a:rPr>
-                  <a:t>t = p-&gt;Next;</a:t>
+                  <a:t>t = p-&gt;next;</a:t>
                 </a:r>
                 <a:endParaRPr lang="en-US" altLang="zh-CN" sz="2000" b="1" dirty="0">
                   <a:latin typeface="Courier" charset="0"/>
@@ -7470,9 +7740,9 @@
           <p:grpSpPr>
             <a:xfrm>
               <a:off x="5738" y="6975"/>
-              <a:ext cx="5625" cy="1013"/>
+              <a:ext cx="5625" cy="1011"/>
               <a:chOff x="3071802" y="4296809"/>
-              <a:chExt cx="3571900" cy="642942"/>
+              <a:chExt cx="3571900" cy="641731"/>
             </a:xfrm>
           </p:grpSpPr>
           <p:sp>
@@ -7484,7 +7754,7 @@
             <p:spPr>
               <a:xfrm>
                 <a:off x="3071802" y="4570419"/>
-                <a:ext cx="3571900" cy="369332"/>
+                <a:ext cx="3571900" cy="368121"/>
               </a:xfrm>
               <a:prstGeom prst="rect">
                 <a:avLst/>
@@ -7507,7 +7777,7 @@
                     <a:latin typeface="Courier" charset="0"/>
                     <a:cs typeface="Courier" charset="0"/>
                   </a:rPr>
-                  <a:t>p-&gt;Next = t-&gt;next;</a:t>
+                  <a:t>p-&gt;next = t-&gt;next;</a:t>
                 </a:r>
                 <a:r>
                   <a:rPr lang="en-US" altLang="zh-CN" b="1" dirty="0">
@@ -7560,8 +7830,8 @@
         </p:nvSpPr>
         <p:spPr>
           <a:xfrm>
-            <a:off x="3692525" y="4151630"/>
-            <a:ext cx="3637280" cy="2553335"/>
+            <a:off x="3692525" y="4439920"/>
+            <a:ext cx="3637280" cy="1938020"/>
           </a:xfrm>
           <a:prstGeom prst="rect">
             <a:avLst/>
@@ -7635,7 +7905,14 @@
                 <a:latin typeface="Courier New Regular" panose="02070309020205020404" charset="0"/>
                 <a:cs typeface="Courier New Regular" panose="02070309020205020404" charset="0"/>
               </a:rPr>
-              <a:t>     ……</a:t>
+              <a:t>     处理p所指的结点信息</a:t>
+            </a:r>
+            <a:r>
+              <a:rPr lang="zh-CN" sz="2000">
+                <a:latin typeface="Courier New Regular" panose="02070309020205020404" charset="0"/>
+                <a:cs typeface="Courier New Regular" panose="02070309020205020404" charset="0"/>
+              </a:rPr>
+              <a:t>；</a:t>
             </a:r>
             <a:endParaRPr sz="2000">
               <a:latin typeface="Courier New Regular" panose="02070309020205020404" charset="0"/>
@@ -7649,35 +7926,21 @@
                 <a:latin typeface="Courier New Regular" panose="02070309020205020404" charset="0"/>
                 <a:cs typeface="Courier New Regular" panose="02070309020205020404" charset="0"/>
               </a:rPr>
-              <a:t>     处理p所指的结点信息；</a:t>
-            </a:r>
-            <a:endParaRPr sz="2000">
-              <a:latin typeface="Courier New Regular" panose="02070309020205020404" charset="0"/>
-              <a:cs typeface="Courier New Regular" panose="02070309020205020404" charset="0"/>
-            </a:endParaRPr>
-          </a:p>
-          <a:p>
-            <a:pPr algn="l"/>
+              <a:t>     p = p-&gt;</a:t>
+            </a:r>
+            <a:r>
+              <a:rPr lang="en-US" sz="2000">
+                <a:latin typeface="Courier New Regular" panose="02070309020205020404" charset="0"/>
+                <a:cs typeface="Courier New Regular" panose="02070309020205020404" charset="0"/>
+              </a:rPr>
+              <a:t>n</a:t>
+            </a:r>
             <a:r>
               <a:rPr sz="2000">
                 <a:latin typeface="Courier New Regular" panose="02070309020205020404" charset="0"/>
                 <a:cs typeface="Courier New Regular" panose="02070309020205020404" charset="0"/>
               </a:rPr>
-              <a:t>     ……</a:t>
-            </a:r>
-            <a:endParaRPr sz="2000">
-              <a:latin typeface="Courier New Regular" panose="02070309020205020404" charset="0"/>
-              <a:cs typeface="Courier New Regular" panose="02070309020205020404" charset="0"/>
-            </a:endParaRPr>
-          </a:p>
-          <a:p>
-            <a:pPr algn="l"/>
-            <a:r>
-              <a:rPr sz="2000">
-                <a:latin typeface="Courier New Regular" panose="02070309020205020404" charset="0"/>
-                <a:cs typeface="Courier New Regular" panose="02070309020205020404" charset="0"/>
-              </a:rPr>
-              <a:t>     p = p-&gt;Next;</a:t>
+              <a:t>ext;</a:t>
             </a:r>
             <a:endParaRPr sz="2000">
               <a:latin typeface="Courier New Regular" panose="02070309020205020404" charset="0"/>
@@ -7712,133 +7975,6 @@
       </p:par>
     </p:tnLst>
   </p:timing>
-</p:sld>
-</file>
-
-<file path=ppt/slides/slide9.xml><?xml version="1.0" encoding="utf-8"?>
-<p:sld xmlns:a="http://schemas.openxmlformats.org/drawingml/2006/main" xmlns:r="http://schemas.openxmlformats.org/officeDocument/2006/relationships" xmlns:p="http://schemas.openxmlformats.org/presentationml/2006/main">
-  <p:cSld>
-    <p:spTree>
-      <p:nvGrpSpPr>
-        <p:cNvPr id="1" name=""/>
-        <p:cNvGrpSpPr/>
-        <p:nvPr/>
-      </p:nvGrpSpPr>
-      <p:grpSpPr/>
-      <p:sp>
-        <p:nvSpPr>
-          <p:cNvPr id="2" name="标题 1"/>
-          <p:cNvSpPr>
-            <a:spLocks noGrp="1"/>
-          </p:cNvSpPr>
-          <p:nvPr>
-            <p:ph type="title"/>
-          </p:nvPr>
-        </p:nvSpPr>
-        <p:spPr/>
-        <p:txBody>
-          <a:bodyPr/>
-          <a:p>
-            <a:r>
-              <a:rPr lang="zh-CN" altLang="en-US">
-                <a:sym typeface="+mn-ea"/>
-              </a:rPr>
-              <a:t>链表的</a:t>
-            </a:r>
-            <a:r>
-              <a:rPr lang="zh-CN" altLang="en-US">
-                <a:sym typeface="+mn-ea"/>
-              </a:rPr>
-              <a:t>建立</a:t>
-            </a:r>
-            <a:endParaRPr lang="zh-CN" altLang="en-US">
-              <a:sym typeface="+mn-ea"/>
-            </a:endParaRPr>
-          </a:p>
-        </p:txBody>
-      </p:sp>
-      <p:sp>
-        <p:nvSpPr>
-          <p:cNvPr id="3" name="内容占位符 2"/>
-          <p:cNvSpPr>
-            <a:spLocks noGrp="1"/>
-          </p:cNvSpPr>
-          <p:nvPr>
-            <p:ph idx="1"/>
-          </p:nvPr>
-        </p:nvSpPr>
-        <p:spPr/>
-        <p:txBody>
-          <a:bodyPr/>
-          <a:p>
-            <a:r>
-              <a:rPr lang="zh-CN" altLang="en-US"/>
-              <a:t>有两种常见的插入结点方式：</a:t>
-            </a:r>
-            <a:endParaRPr lang="zh-CN" altLang="en-US"/>
-          </a:p>
-          <a:p>
-            <a:pPr lvl="1">
-              <a:buFont typeface="Wingdings" panose="05000000000000000000" charset="0"/>
-              <a:buChar char=""/>
-            </a:pPr>
-            <a:r>
-              <a:rPr lang="zh-CN" altLang="en-US"/>
-              <a:t>在链表的头上不断插入新结点</a:t>
-            </a:r>
-            <a:endParaRPr lang="zh-CN" altLang="en-US"/>
-          </a:p>
-          <a:p>
-            <a:pPr lvl="1">
-              <a:buFont typeface="Wingdings" panose="05000000000000000000" charset="0"/>
-              <a:buChar char=""/>
-            </a:pPr>
-            <a:r>
-              <a:rPr lang="zh-CN" altLang="en-US"/>
-              <a:t>在链表的尾部不断插入新结点</a:t>
-            </a:r>
-            <a:endParaRPr lang="zh-CN" altLang="en-US"/>
-          </a:p>
-          <a:p>
-            <a:pPr lvl="0">
-              <a:buFont typeface="Wingdings" panose="05000000000000000000" charset="0"/>
-              <a:buChar char=""/>
-            </a:pPr>
-            <a:r>
-              <a:rPr lang="zh-CN" altLang="en-US"/>
-              <a:t>如果是后者，一般需要有一个临时的结点指针一直指向当前链表的最后一个结点，以方便新结点的插入</a:t>
-            </a:r>
-            <a:endParaRPr lang="zh-CN" altLang="en-US"/>
-          </a:p>
-          <a:p>
-            <a:pPr lvl="0">
-              <a:buFont typeface="Wingdings" panose="05000000000000000000" charset="0"/>
-              <a:buChar char=""/>
-            </a:pPr>
-            <a:endParaRPr lang="zh-CN" altLang="en-US"/>
-          </a:p>
-          <a:p>
-            <a:pPr lvl="0">
-              <a:buFont typeface="Wingdings" panose="05000000000000000000" charset="0"/>
-              <a:buChar char=""/>
-            </a:pPr>
-            <a:r>
-              <a:rPr lang="zh-CN" altLang="en-US"/>
-              <a:t>带头结点的单向链</a:t>
-            </a:r>
-            <a:r>
-              <a:rPr lang="zh-CN" altLang="en-US"/>
-              <a:t>表</a:t>
-            </a:r>
-            <a:endParaRPr lang="zh-CN" altLang="en-US"/>
-          </a:p>
-        </p:txBody>
-      </p:sp>
-    </p:spTree>
-  </p:cSld>
-  <p:clrMapOvr>
-    <a:masterClrMapping/>
-  </p:clrMapOvr>
 </p:sld>
 </file>
 
@@ -8617,25 +8753,4 @@
     </a:ext>
   </a:extLst>
 </a:theme>
-</file>
-
-<file path=customXml/item1.xml><?xml version="1.0" encoding="utf-8"?>
-<s:customData xmlns="http://www.wps.cn/officeDocument/2013/wpsCustomData" xmlns:s="http://www.wps.cn/officeDocument/2013/wpsCustomData">
-  <extobjs>
-    <extobj name="334E55B0-647D-440b-865C-3EC943EB4CBC-2">
-      <extobjdata type="334E55B0-647D-440b-865C-3EC943EB4CBC" data="ewoJIkltZ1NldHRpbmdKc29uIiA6ICJ7XCJkcGlcIjpcIjYwMFwiLFwiZm9ybWF0XCI6XCJQTkdcIixcInRyYW5zcGFyZW50XCI6dHJ1ZSxcImF1dG9cIjpmYWxzZX0iLAoJIkxhdGV4IiA6ICJYRnNnY0QxaFgybDRYbnRwTFdsOUsyRmZlMmtyTVgxNFhuc29hU3N4S1MxcGZTdGNaRzkwYzJJcllWOXVlRjU3YmkxcGZTQmNYUT09IiwKCSJMYXRleEltZ0Jhc2U2NCIgOiAiaVZCT1J3MEtHZ29BQUFBTlNVaEVVZ0FBQmI4QUFBQmlCQU1BQUFDQ003T0dBQUFBTUZCTVZFWC8vLzhBQUFBQUFBQUFBQUFBQUFBQUFBQUFBQUFBQUFBQUFBQUFBQUFBQUFBQUFBQUFBQUFBQUFBQUFBQUFBQUF2M2FCN0FBQUFEM1JTVGxNQU1ydnYzYXRtellraUVIWkVWSmtWcEtPUEFBQUFDWEJJV1hNQUFBN0VBQUFPeEFHVkt3NGJBQUFhQVVsRVFWUjRBZTFkLzI4Y3gzVmZVaUlwSHU5SXdiOEVCUUtUZ0lMOFVDUTVWVlFUT0Vhd2lpM1Z5QmYwV05oQUVUWEdFVzBEby9uQnA4WXAzTVJwanFnTjVLZmkyTVpBamFJQkQ3YUFJbkxhWTVNLzRBZ25MWUxDN2JHMjg0Ti9vdHFpU0JNVXBlcWpSRG14TlgxdmRtWjJkbmQyWm5aMjkzaW4zdnh3T3pzNzc3MTVuMzA3OCtiTjdKN25UVk9aQ0hUTFpEN2xQVVhnaEJHby9ycHpBeFkrNDB3Nkpad2lNQ0lFV2c4NUM2cVNQV2ZhS2VFVWdaRWdzRHpjZHBjeitLVTc3WlJ5aXNBb0VHaTZkK0NlVnlWYm8yampWTVpvRWZqQU8xMnp3Sm4ycjVvcm5YeU5aWEkyYklTVll0N2Z2QmRTdE82RWVYMXVRdkRRSzFIOFZUdklpNWVyNDdoSXlJYnVlbkJ0aDl3MlZ6cjVHbjNKUXUwVXF6WWt2MlRaMmd1ZkVEeEdmRWZzSUI5eG81WUpXVE9MUENUdm1DdWRlSTJhcklxVllyVTZrUXpjYS95dnBRNlRnWWVsTW9WVnM0SzhNR21XakdZSjJUUlhyUk9wYnpSWFA2RWFyd3k3b2VTRVltYytIbDZrdWNwZlArMlRpSUd2SHNXcXBKMU9CaDVwclMrclBBRjVXWUt5OEsyU2V4YlZCK1NtUmEyVHJ0S1VuOEtFWXFlT1krMXJFbkxVakJqNE10bU4xVWs1blF3OFVocGZXbkVDOHRJa1pXSDhIWnZBMnVMYldWaWVVTjBhdVNSTGppdTJFdStlSDcvNE8yZFhJd1plSWUvS0hOTHpFNEZIZXZQTHVoS0h2Q3c1LzAvNW5pTDdPczBUQm82Vm93YnVkU1pocXFGVGNucnRQa2FnRmUraW83cmFHSGhQampOR3lhZG5Vd1JPR0FFNTRxZG9pbzJCejhseEdBV1BhZEVVZ1JORG9FWitvWlZ0WStCVld5ZGNLMmw2Y1lwQUNRZ3NHSHBmR3dQM2ZKdVlVZ21ObjdLY0ltQkNvR2NJNkZzWitPSFFKR1o2ZllyQXlTRFFKL3FBcDVXQkgxaXYxcCtNa2xPcDJSQjRiZjA1TTBIMTNDY3Mxei9NdkVxczBaYURLQXJGckF5OFo3R2lOU0Y0NUliNmhhTXZJSThIbnhsKzg2d0ZNd1hrRmxUbFZubVpQRXVNNzdGVTZzZnRJMzNuV0c0ckxibkxTN0lxeGF3TWZJR2NONG1iRkR4TWVwaXVYeit1NDlQK0FIbmtDWnV0ZGlySVRTTEt2bDVwYkhqdCtBSjJRdWoxMjk0Q3VaWW9IcmVDcXJRbXFWVE15c0NYRGFFWTBIcEM4TWg5ZitxN05YTFhXeUkvOTd5T2VjZXBFdkxjYmNqSllQYXU1eDNxbC85QVFuM0xXeWJ2NXhSVlB2a1NDWGQyS3hXek1uQ1pTMHFiSndTUGxOWmJGMWRoZ3pRaDNlYlhnR0pCd2phRmdSTHlsTG9qSzI1ZEF2TTF2Y1l5RDY3dExEeks0NTVtcFJDMlVqRXJBOGRPUzU4bUJRKzlGdWFyczdBdHh5ZFAwNzBMWjh3K2loSnlzNVJ5YXpUQXMvYlJ6OUtsMDZEb0tkbS8xVlUrd1d1bnlTMGhYYW1ZbFlFdkdtL2xwT0Fod0hETTdJQlhTb2kvaHVUelJKN0FLeGtxSVZmV0hGM2hQRHlkOEJMR3BsNWlhODN6ZGlaZ08vaEt1SmRRclppVmdYdkVOQ2VaRkR6MGQ5Vjh0YlByVlFnSmR0Z3ZFV0lnVUVOdUlDcjc4bWx3ck04UVEvVFlhK3pqSkFPNjhURlB2ZERBMVlwWkdyaHBwV2RTOE1oN3U2QkxyaExtZXk4VEV5cHF5UE8ySVNkOTd6dzZINFlOb2hWVXpUZXNndWRzU0NIa3EyR2tSNjJZcFlFYitxcUp3U01ucUJWd1NxRDNXNk5zWm8zam1ocnluRzNJUy83aXJ1Y05UUEdSeGMvaDl4U01vWmE4YmNsUHZ4bytoR3JGN0F6Y0oxMXRXeVlHRDYwVzVvdUxEMlB3aEEzdnA0d3pFelhrWmpHbDEyanlxVm10UWVKSnJPN01HVjJ3MHR0cEZqQ0l4bXE1WWt2dzJtVWlmVXF3aTczdzRIa05adUFUajRkUTBUMnp3dTA2bklPOWxjQXlYQ25ra0xzTExKNFNwaEViQVZjdzRrU0NIcDZtSGxlVW5TY1A4ejlMbG8yNDVJQnJRdVVLeFU0bnRJS0MwQzFMR0hpYmRWcGpqOGNJSUYvbHczdGZ6TUdhU1RqNVp3a0U1Q08rOFZweDg0VHNCUlZtUG5RNW5xNTBnMHRleXhqblh3MU5odEdNL0JEdHdZVmk4MS9sYWpVSXoxMytobWhkd3NCNUR6NzJlSXdBOGo1ZjFxMkxEUXdQQ0F4RjVpb0RVMEF1d0IyRHpJSnhlb3lOYkF2OTBwcDhZSXlUcGxFV1ZqNElmWERncVZETTFnYzN0MmdzOEJnQjVIVWVtQ0tteFJMRVRBRzVHY3F5YSt3WUYrNmdCUkFyM3pJMHBHVUtJeG5vQzdnc1RUS0JtMEt4d2d4OFBQQVlBZVRjcnFGdlBtdStRd3JJelVSbDE3QUtjSnRqNWQ0STBEWkIwUXZEaEZCVm9aaWRnVnNNYWVPQlIvbVF3NE84VDFHZnRRQkZDYm5wbnBWLzNTckFiWXlWZStOZzROSktKdUNtVU16U3dNM08xbmpnVWI2QlE4ZmRwU2JZc3hublZaQ1hiOEFHQ1VHQSs2MXRmVFVhSzY5cDk0MlhqN2EraVhCVjNvdkNJdmRSeGF3TTNMd1hoYTBkbkRnZTVVTSt4M2VndEFoOHMzSHBzL3BiWUdkTGVoNkZYNTJqWXcvdWs5R2xKczR4Y1k5UmVpb2Y3WFRaN01vc24vTGp1VW94S3dPWGQ1V25pUndQUE1xSFhHeXhhK05rYytWV0doNUJ1UXB5UGNVSXJ2YklQYytiTVF6S0VOKzg2WG1ybDNUdEtSOXRuWFI2N1F4Mk16eXBGTE15OEhsalJCUzNJTjBjQXp6S2gzeUhoY0ZCNFMzUE8xamo0S3FQS3NqVk5VZFllb0JHTVNkL3NsSWh2RWJuME0xTnhTVlJWRDdhUWxSYUp0TDNxaFN6TW5DTE4zckdCSS95SVcreDVSM1lTd2hqZkgwdkRmbWdYQVc1bm1JRVZ6dm9mT0ErR1YwNmczNE0zV09VWHF0OHROTmxzeXNWZWJsVnBaalN3QWZTaTI3STZMUXg1QTlia01ZQ2ovSWhwNjRZWUxLTXZyaHBuSWU0bFlVdHNYczFza01mUTJ2MVRiMjhKZHhLTnF2djVzdEhXOTlHdk5xV1hDMlZZa29ENzh1UEJUQlpNUzlwakFrZTVVUHVzODBQOUgwZTNBK3JUVkhJWjg0ZC9SYXRQbjl1K01mYldrTExpN1VuL0QvYTA5VmQvTlBHSTV0WVlmRUZjbVUvcUltTEkwdW1IZjR6dUhXakQwK0NKdG1nL1pOSGo3K29ZWkhsa2tvWHJ5L3RBMVFwbGpEd3lvMC8vekZzclhqeVYyNTBoZkFCMzdvZ1NoS1pvdkJJTU01V1VDemtMMzNvNk1OVS9rdU5veWVEaG9EckhaaEpEV2RxblExRDg2S1FkNFkrd2I5MWV0VWZOc2p0cm9IVzR2S3JQcmxJM3VsNmxYOUtxVHhUSjBOQ3YrL2VJZXRCQnQrMVBPOGRHc0kvME1VUHZlVWpmUnZOYUZkK1FFQlYwUGw3ZWs0cHpZOFVLM1dCeGN0TlVVdWxXTUxBQjJMakVOOHZCTzlnV3l6SkZvS0hhS3BycGxESUg0Q1gwNml6QnY1WGtQRThtR3QwZzhZMWpyMDVVemNZdGFXbDRWNk5nTTNNK0hlM3ZUZmw2YitqdWpBUCtKbFhiWHdXWHBMZlU3Tm9IZjJCOTNmWUY4OE92K3hWNi9CTVFxbzBqdXZIWFpyVi9Gd25YeUZmMTF5SFMyYTArK1RldHZlam8rNnlPVXloRjRYU1ZMckFYb2cxUWFsU1RHSGc2eGN2UDN2NTBYWEpEL2NEWUFRalZhWVFQRlNNTTVVVkNmazgrWTN0eWlIaVYvOTQxM3N0Y05QbXhWc08zd1lEZ0d2NkZJRjhGWUxLZGZCdyt2ZTZkS3ZIV1QydDhXcWxUajRObFdhUFlmRnBUVmw3bVhadmZaRFp2QVl2a2JiWjVvS2xjeGYybGZVamhkOWYvMmprUEhsaVJQdGxjb1JLMXErMThDSExsMUowbVpjRDRRckZFZ2F1YU1XTTJCZXF1Q2lLQ3NCRDhITE9GQW41SWM2d2xtQTZRanZxcDFpUCsvaFYzcmh2RFQvQ3MrbEhHZkw2TGwyNlB4TTRPUjN5eVhReXF5cy9aQTliNC9mVERMenpFREk2UmQ0L2cyUE5JVEZ1bjdLU0t5cVowSzc2Qko0ckNGTGNhZVEzOERSZC9ORFRFQTJUTWpZR3ZwelNQMGhzckxJbVBLeVk2Q3VaUkdTQS9FencvOUErMmUvQVhZTC9TcnVyRjIyOHVvanYvYlhJM1E1RW9TR1ozeWVnMWRKL1lKV1VtZys4Z01hOTYxamwrVUFGQ1BqZzRBSGVWZVR0Z0ZobGgxTVQyZ1AyQkVKTEpYL0FRUkNRcE9yU2w4SW9DdFkyQnQ1TDgvQVUvSFJGSmp4MHRKYlhUQ0l5UU42aXZSOTBlNS9HZ1BjQmlVV1dMQnNrVlZ1K0J5ZDl1TmRuYVNIOCt4cndsVlBsZzYrbnBWaE5TcldLL2p3bWZIMWxqK1ppUHp2djBRSncxZjJiT0xjY2NROCtRd2lieXNLTGNVRlRZZzNNY0pxcWk4dC85TVRrOW8xenFSaEJ5cW5KK2xMSXNoUWJSR1NBZkpIWlRKOE0wVERyK1h2d0ZleTVPK0pXdzVod002cmFLMkNCS1VreERJTXV6R2pBZ05VdmhiZTNxQUJ3MGZGWk9nV0h2YWpFbkdjR3RGZUZ2RDdoTDRFNlMwelZKZll2YTNFQk5qMjRINHlwY2RMTTV3WThNdk5URUJoRVpJQjhnWGtrTFVMZUJVRytNQ2VGVkx1aXdYbW8xeFM5S0pnbEZraHBRRktUWW9vRy9mWkdRQXltcnV5QzVsbndDeVFoUGZUZ0JmOHp0d0Z0Q0lVeTdWYTVOeVZwbXkycjBhV3VYWTFLL0U5bVV1NlplRStUckdKWFlzRERqb20rbGtGRUJzaGJ6UHI2d1FRT2VuQm1Udm9HYUs0ZTNvU0x2dGhGRHYwcVBqbFNtdk5URGZ6elVqV1dQV1RmSDRLd1g4cm9jb3JkZVJncnNLOWZiQlIxSTNsajlHaURXRDZON29uSG1wTm1QV3AwNlEyN0dtNkpmenBPMXQzUmUvRkpnclFTUFI1cFZKbks5U0t5UU81dkJvSVBnM0gyUllLT1NxNkVIMGNDVytUZUJoaTRhUjFVSnc0bWJteU1DVDlGRkt0L3dKNVI2THB2NGFYcTI3RUtlVS8xYU1PQXRNVWtRSFl2bnpDTkx2TjV1NTU2UVI2S3hicEFQaENBdWpESWEzeHRxODc4MjMvZXp0bTRDdW5TU0FidnR1RVZLRzdyTHB6Qm81WTRVUU5tYkQ3d0RnakNCRi84cFdrbHQ0TVE4RW44NnRHRzhZaGoxb2xNRW1iYXNMUnBUSlgybmxSSHAwdEg2Nk5JVE5SWkZyWlZYOHhVcXNjakU2dTB5bm9ScVpBbjJlR0hqMmxLOFcrVEZLYVNHdnJCTUlhY1p4WGhFeHhjaG9sVWRiMGZ4cjdoVTBUWHdpcndUdDFHY01idGF5Y2xpaGpTT09hMGFEUFBuN0p1UnlZSk84STMxOG45VWVRZjVIVzZ6Tm04SEpzdWFwQ25uNG13MWVMaGVVOGQ3MGFxNDlMYmM4YVNhQVd0aUhUSW8wendiSVYxajJBdUJlay9nOHRDNGN3UTUzeDV2QjU0V1BkWnM2R0gzbUpaT01BenRCYWMvUmNyUE1qdElEQkc4WU1XYlJoaWhBc1dmWllQYlZaOTNvZytsVnBkNmcvRlc1YmhmRVlHTHdPZG9xb1dEM2pmS0tGM1U5d3J6aTFad3E4RVI2MklkTWlqVFBCc2VTc29nOVdSdkJIY2dGSHcyeU5razUyRHJlZm93Y0dERjZIQlFjU0E0Y0hoSXBpa3c3QXFLM0UvUkdMMWgwTTVicjhkNWRvS1E0TXdYNUJCck1jL3kvejhacFRVKys0Ly9nZm9GKy92c0pKU2w3bGdRU3ZHeFBKME5VODM0OW5qNFIyQVNwdVJSdUhTVzlTOVNwYkF2RTFlSG5HRVBDSTJjZ0w5NGExSVFiNFRVSkxiUVMrdVhDYk84SGlJMEdBbllzRFZ4TURRQ0t0bWtxR3EvQXJjazVRVUcra2FvZU1FMHcwWnhBRzVHV1h0WDR1ZTR3ZlVycWdOWEsxTDM3MExuL0YzbzhLem5kbmpnVXNwZkd4bE1xQXZpblhxeVJMUHN4ZVJEbm02VW1CSU1mVFQ2MXBjZ2RnZXJ6V0lkbXU4MlBLNEtybE9VUS9YKzg1MmxFZGFGREZheS9JTVdwMldvckY2Q002TExqZzZTZkFXMzQ0Skk1ZWlCWFByVi80ZTZCV1dsNkpMalFmY28zeHN6aFlVRVZnYk9sYkhHZy84d0NlSktRckdoYS9OU0NsWmdxL3pweVpyeUNVUnNXd3Y0dC9HTG1ZL0RRUHh1S2FaSXp6VkQ0TW84SmNUV2wrblVDOXJ6azlGTzJvcE1PRVJnOVdLQWNUWWZhZXdxZzA4VFpjYjJXOEZvNmc0VTFKQ2F6em9HbCtzQjhlUkttcWp5Uko0ZTdZTXlJWFdCeEgvVmhRN1pxQURFajVYUFRwdVorVFlEc014TVE4M3dhaGdMMHZpcjV2eFFLOHREMVo3RWxraWEyL2c1ZW1TYUpSRGdRNlBvQ2ZlaTNERlRXank1SVIra3oxV0VpSFF4OEd6UUM3WUhrYjhXMUhzbUlFT1NQVGFvTnlhSXh1NllNU0RnZmhGL2xzNlJnVjdXWklvM1EzdFNSc0RPZ1lRN1EyOFBGMGt0Wnl6T2p4dzUzVmlwTzBuaHJaa1NiUTFPaEZaSUJkYzFaTWFjVGxqQmpxZzg0d0VmZFROak9SaGRYejJPWFhNd3cwcnNSem92WlVvTEtSQWgvWkFHcXhpazRTRWJIc0RMMCtYUktNY0NuUjRBTHNIUDdZWFl6cno3Lzl0TElsVzBJbklBam5ubWpLcDRaZXpIcUVEV21NMDBPOEtIelVyRy95SE43N3JGamVXNnczNG9GQXZTMjZyRHUxV09GZ1pRYlEzOFBKMGtmVnl6ZXZ3Y09VWm85T0p5QUk1WjVzMnFlSFhNeDdCRm5sb0FHdzlPb0VHVm5MQVU0NHd2Lzc2ZGt3UVR1RjQwY0Jnd0lmaU5WSk9VZFJSaDNZL2RKeE1rd1RQM3NETDA2VUlUSFI0Rk1FZmVPaEVaSUdjTndkOGlsL3dmQUZINklET01qWmc2Ky9IT05vSFBIRzVNaVVNSHVNSnA0M2trNVNzNUZTaVF4dE04UnBqYXBva1pERHc4blJ4QWlCR3BNTWpWdFgxVkNjaUMrUmNQdlN6bDNpK2dDTTBnWE9CeHkzT2VVQlNVelNZaEorWkRKZHpBZyszZXBWeWZtMzlPUzZCSGNGQnVNZXlYNHBkeW51cVE3dEp4SElPbXlUOFF4ZmxWYzk5Z2c5aWVFcFRBZ2tvVllZSlM5U0ZOU1hYUVlkSExzWWhzVTVFR3VRdkhIMEJHVHo0elBDYnZIc1ZESHZpTnMxdmlFTDNqUFR1YlNPY0pYSisxZ0ZQdXVHRUx4eXltNzVBd3pNdmsyZkQvNzhLK0lLWHhZYUtpbmk2dU1TY1J4M2E4Q3h6UTJZZ3RoSGRTdjI0TGY3SGpZdTNOdkFTZGVGdHlYUFU0WkdIcjBTckU1RUMrZlhqT3ZZMUQ1Qkhua2p1Y2pzUVc1cDZ0eVF4amxtd1JXNlcwRUVsWFBBTVhHSFU1d0YxZHROcCt5cU5EYTh0ZkplQVgraGxHYjltbGFFQnRLb083VTc0QUFjZ0JvL1g5ZHZ3SlpOck1VSFdCbDZpTHJFbU9aM3E4SEJpbUNUU2lVaUJ2TDViZy9qa0V2azV2akM1RVdNSkQwVTNLT3JINzBxc3BzMHAyQ0lQZzhPdDRsa2J5bmdkbUdUeUZRSjIwdy9Xb0E1dThqMFV1d3kvdDRka29aZDFtajlkV0Z4RTBxSGRENmUrQVloMHV6RHVVVi9tSTRwb2dvV0JsNjZMYUV5T2pBNlBIR3hsVXAwSU5lUlYyTVlBVnR6OEdyQlpFRmJqVlY2bmJNTkpUV05YbHVPV0I4LzVGcVBjTWNUMkRBSmdBT0RQeDZuQW1XOWkrMXFYOFBYb3JZQVl2c2QxRm5LcklqUTUrR1J3b2JCZkhkb2dGcVZqOHVsZ05ZZVAxendNVzdPSjlRNnpnWmV2QzIxcHpoOGRIamxaYzNLZENEWGtzKy9pSFhpYXp1TG9CelVEVmgzeWE1QUJPMkxUdStxd3kyVzRIOEVXUVJwTnByVVBreERoV09NRzBnMm83Vy9ERC81cmc4OG5kekJpWFlNeXVINFREcERhdThHeHNGOGQyaXZDdVlNaEJ2ZENuVUxWOFI4anhGOElpSGFZRGJ4OFhVUmpjbVIwZU9SZ0s1UHFSS2doM3dFamdPK0dyQ0dYZWVFWGc0K0xyaXpjR3hhQldDaGllSWR1bTNuTzRLdzhoQktkVTVOendpVWZNTndxYnZ5WWg2Y1IzdERZcEZ3aFE4Y0xuOC8yc1Bjc051blFodEZxTTVEV0NtWWU5S01DclRYUDIrRk5GNDB4R3ZnSWRCR055WkhSNFpHRHJVeXFFNkdHdkxPTGJ3SUgvVE40dG93Wm1DSm1vY3RsaG8yRGYrNEV0NXJOQUY4aGVmYm9RME5XK1lUNEFGcTZDWEZEOEw0OS9Kb3pQSnJidEtGbytaZGdCd1I4WGZZbUxkamhYanM5SytKSGh6WU1maHRVQmp6TDFLS2JXM0NLTDE0bi8rdlBhT0FqMEtWc1BJcmdEendjSU44TzMwcGZGaHZnd0JTeHYrdjdyQWZubndISzE4d20zR3RxZlpXR2NLRWRPVUpzbVZKV3lkUFVGK2loQTRELzJpRCs3UTVHSCt6YWQrNDB5UnBXclRTMjhGQmswcUh0dGRsOFkzRG5FR2VWRmRTYy9tT0VIN1JIYW9qUndFZWdpOVFjNTZ3V0QyZXVFVUt0Q0NYa1lNZlE2YTFSTHJPOGcwWEhGYnJ1UmZJbDVvTmZ4dzR5ZC9MSk1YN24wUE91Qi9PL0hBeGgwTjVIOHRZdm9hdmNoRzV4RFU1ZUJJT20vLzRIZWR5OGh2T0grc1pPc0JnTEFicWlreGJ0blNCWU1rOTJWN0VIUDRPTldmd2MzUkZLV3k0MXhtamdJOUJGYW81elZvdUhNOWNJb1ZhRUV2S0hNWGpDUnZWVGZOejMrdFRtWjIrREhYVkJBTWFYOHlkZ2R2YzArdlJWK2szNGZBd1A2RmQxNXNDNDhZdk1NMHdEM0ZaL0syQzhTSTdBM3VlTzZBZHlRYWEvbGsrZ2dscUxkaTN3KzVwM0lHd0N6OVlxRGpHWXdGTU1NaitBSVNhZWhzTDI0Ym1GNXJNMEFsMjRxRHhITFI1NUdJZTBXaEZwa0s5d3V3Nm5QenNFK2hxdmVRa3NmUU15UDJTeGxGQ1FTdzQ4eWZjVy9ULzBacHJVS1hWaEVkTEFwL1QzdkpkOGVJM21Pbm5QZTVOTkZYQStnUTNHMUQvZTkycndkWHh3ZXE5NmYxc3ZaQXdLT1BOZkxkcmVBZm04dC9nOHRCSWNzcjJhejgyMXg5RnV4SzBiejljNDc0aUJqMEFYTGpmUFVZOUhIczZDVmk4aUJmTFZZREFGa3hCUnZDWHlKNTczMWxFWDNKZmIzY29iWkV0SXlKR0J2dXVXOXhma2lKQ0h1em5ZTU5LL0pLUkJwOER3SGZ4MTBkdkJRN1RIS3RUdy8wMXVkeUc0NHBOSHlURXZabGVMT09qUlhteWpxbWpYTDhNL1pQQW5FRDRnelNhN1QxM21pUnp4M0dPaWxWRURMMStYOHZFb1FvSjJrZ2t1b0JyeWZ1Q2s0aHJKZWQ2S04vRy9aWEQvMHUrUkk1OThneGZuT2tKTTVwcm52ZUZmZkRJWEcwNE1tMmMrM01XVDZrL1pmMXRCZmtITWsrRXpXci90LytaWnJBRC9lZlV4bXNHVEFwUGV3TDJabi9vWHZrekYvVXY3aXBEZkRrSG1UVEg2NENQUWhiY2x6OUdBUng3V25OWWdRZzE1blFQTUEyckk3U2ZQSFAwYjVmcTcvb1VndzJVNEgzZGt0OUtaaTU1d2g1VGdpcVNKTktDdEpJT0p5RmI4QXNkZkxvLzI0UEtWOGMyNzRKRlJHeWNSM0s1aGVCZjlURWE1VnRVaDlsZ3FmMnhFTXNoczFUUzNTaTVvaXppOUpISnE0QklZK3F3TDVEemlCck45OFI2NFhvcmoxU2FQSHpqUzI1QWxnOHcyVkk1MVhOQVdjWHBKNXRUQUpURDBXUmZJb2VQdVVxNjlrb2QzbjI5czBldVE1eXE4SGJZUHMrUHRQRHpzYVZzT2kvODBUbC83VEVUSWZXUGdEbmhFZ0RDZnVFQSt4M2VndEhCNWNRbmlhdVVrR0NsRUtLRWNDUmhreGtFSTkxeU5JZzFpVzg5dFpEWnhqb2w3cnFSMHZ4aTRDeDRTRERaWkZ4RmlkMXNiZ1Y2NVpTUEhwUTZHd1Yzb3N0RDBDQ3drelpUZmtRUnRXdmhVbHJiUnVoQ252d21yUHBjaWhQZUxnVHZnRWNIQjRzUkZCRnZneERXU0xmZzd0VFVMTVU1VmFCamNpZEtlNkFBSG9UbTJaZEdlYkhRMVlldlZXVmhCMjR4SXZGOE1QS0xVK0p5MDJQSU9iSGlBb2IyK1YxYkxnakI0V2R3RHZoMTBBSERQMWJnbWVIT0I3Ym1TV3FneWNKaE43RXBWcGxsM0JLaFhDT1R3ZjZtbER1OFFCdDl5YjZVZFpSK1hrdXFiZHBWUG90WVM3bWVialEweEtnT0g3bWJqSkJwNEg4cjBHWkwwZlI3Y1VsMVNnakQ0Zmttc0JkdFYyTXhSK0x2Rmduc0JtUm1NSlBYaEtaUlR3c0J2ZlBlREhYZ1A2Ri8vNm9aY2JacDNRZ0JjNzhEdWFqaEI2NVRYYlVBWXZPdlV3Z3hFcytDaUhKWVdCOHJRa05TcTlhRzNESHQ4SWlsdTRQamxSWloySXhXbkp3NEl3TFNuRzVBMWpyMDVoOENYcFV5OGEweVFKWVZEdFVyanVINWN1aFNIaGdtUzYrUXI1T3ZpTE1na0RYeTRmdm14cjE1ZTk2ZCtlQXdxaDlONThaYkR0d0g3TlFjT05pU3YvbWNiRFB6Qy8veVpUZVVjZFpiT1hRakdveHc4eWlYOS92cEg0d0xpQmg2L1BqM1BoY0RqVnpuNXQ0WWY0ZG1pajRkc3lPVXZmUmJOZjZMNVRRMThvbThmYlh4cmVQR3haeSt2ODgzK2s2OVFrUnBNRGJ4SU5LZTh4ZzZCcVlHUDNTMlpOcWhJQktZR1hpU2FVMTVqaDRCL2JleWFORzNRRklIaUVIaCtzemhlVTA0bmdzRC9BV29RemdEc2U1NHBBQUFBQUVsRlRrU3VRbUNDIgp9Cg=="/>
-    </extobj>
-    <extobj name="334E55B0-647D-440b-865C-3EC943EB4CBC-3">
-      <extobjdata type="334E55B0-647D-440b-865C-3EC943EB4CBC" data="ewoJIkltZ1NldHRpbmdKc29uIiA6ICJ7XCJkcGlcIjpcIjYwMFwiLFwiZm9ybWF0XCI6XCJQTkdcIixcInRyYW5zcGFyZW50XCI6dHJ1ZSxcImF1dG9cIjpmYWxzZX0iLAoJIkxhdGV4IiA6ICJJQ0FnSUNBZ0lDQmNZbVZuYVc1N1lXeHBaMjRxZlFvZ0lDQWdJQ0FnSUZRb2Jpa21QVThvWmlodUtTa2dJQ0JjWEFvZ0lDQWdJQ0FnSUZRb2Jpa21QVnhQYldWbllTaG5LRzRwS1Z4Y0NpQWdJQ0FnSUNBZ1ZDaHVLU1k5WEZSb1pYUmhLR2dvYmlrcENpQWdJQ0FnSUNBZ1hHVnVaSHRoYkdsbmJpcDkiLAoJIkxhdGV4SW1nQmFzZTY0IiA6ICJpVkJPUncwS0dnb0FBQUFOU1VoRVVnQUFBam9BQUFGTUJBTUFBQUF3OVF1eUFBQUFNRkJNVkVYLy8vOEFBQUFBQUFBQUFBQUFBQUFBQUFBQUFBQUFBQUFBQUFBQUFBQUFBQUFBQUFBQUFBQUFBQUFBQUFBQUFBQXYzYUI3QUFBQUQzUlNUbE1BUkhabVZLc3kzWmtpRUx2TmllOS82QlhGQUFBQUNYQklXWE1BQUE3RUFBQU94QUdWS3c0YkFBQWdBRWxFUVZSNEFlMTlYWXhzeTNYV252K1puak0vUVdCa0dia25SdVlGS1RPeStKRkFTZy9Dc1kxTVBDZUtESFllMGhQTGJ3VG1HR0pPTU1nOU1zRTRnT25oSWNZWElYZERZbC83WU4wZVJSampPSEpQSGlBNE1lNkRUSkFsd0QyU01ZWmczejV4Yk9iNit0d3B2dHE3ZnRaYVZidTdkdmZjS3g3MmZwaGRhOVdxcXE5V3JWcTFxbnIyM2xtV2ZMMTVmNXJvMXRlbjViNHNlYXZ2U2F4Mmh1REhqbmc5a3VhNWNXcno5aUtlWWJpZHk2blpMME5tOTM4blZqcERjT01IdkI1Sjg5dzQxZjYvY2I3bFB2dTBiNU92ekgxTm5hWTFORXV3MGZrdFZwR2tXV2FjMkZaVEoxYVdiVTNlRnkvNWNuR0h2NWRZODB6Qmo5MzBXVldTWnBsUll2VDdVVFpobm9rMlNOYmN5YTBmLyt6azlyZC9vUitwNEo0UzdxS1ErZVhQM3Z3cUZ5OFJKRld1S3o2d2pGNTZYY2xGbWw5VGowbDEwZVNxdW9yeUYyRCsxWTdLcjZjSFlTWHRsMEplbGkwcjlYN0ZjK0tDclBESlUwWm1sRzRXRU1LLzMvVmx4c0p6K1J5ZkduL1BwKzhrOWFlVitzWVAvN09QL05oRTNSN0lDbmZVcFdScGVnaUwrdVhKZlpKVklrZ2tzbXhIMFJLY2JvZDZLVGplRHkrcEYxbDFVV0pESFVUNTh6Si9SS21meU11dWR0VHRzYWlscWZxQ284bHRCY3gvVVZHUEZCY1VaVHZmNFF4Q1F4VTNIM2pUTTQ4ZVBYb1hrajk0MVRPUFB2V1JkNzhlU2ErUjUrS1RuRmU1cGFIZDNmV2pTdjBEVTl1S1VnSitZeEwxZzEwWXdZNVN4SWhMQkFYTW5sai9QTDJxMUFzWGhmUTZWUExFRk56MHlTd2JpWWtwS2pmazRVMmNQeGYzbnl2MVJWZndyeWxoKy9laVRnNzRqN01tUnRnVnpPS0NQcjlJTGFzSGpPWHBOZlhVS0NmREdIa1VZdzlnUlgyZkZTNGhkbWU3N3BLU0lSdnVsWmpMRnVzeHBGdktZcVpGN3luTXQ2R2liamt1U0F2bDZRbjM1Sm1qOTVRTGh0YWduV05iY3RjcmFxRE9MWGZhZmVYdXBsWmpxRzVQU1ZzbmlqbTFobnFCWkxya21ZTDFkaFR4T3lXQ3JvUk50TVRVY3ZUSmJkL0s3RUk3amxqemVOcWVhMFdqOTA3U0JJd1dGY3gvcW5nTWdubE9YZTBhOFlta1pGc3JyVTNzUHlzUkpHV0s1SWFmS0RuRDBVTy9jUGZnbjEzQlpXZEc2L0dSY3BJdWNlS0tPTlo4aVNXbHVLSXh0VzVKVldkeFkxWUtmWG1Xb2kwUkpGVVZ5VlZka2x5T0pvRkRDdzdhaWF5NHFiMGRIeWtuNlJJYjZ0cWxGMG8waGVsa1daZE5yV0hVbUtGVDdSLy9ZTiszSFJmMCtTN1ZvY29IMTlDclpNYkJLTDBLVjVRdG1qb0FpRlNKSjdXbDU3aGpHYjNwODNKbmltaSt4Sml4bHRzVjF4UXVFZVJWNTlTaDl5T1UzaWJMMzRUR09EdHVrZzJKQWlNVmUxYURtYi9uVjAxQkZYS1JoRXYwbXMrRHZyQlNMRm1YbkZzaXlJVnlha0NVcnhtR0huaHZoOGxOMXYxTnE3WUdjVWFSZWltcmZTZU9ad3VqZEVTclJSckxxYmY5QVlGSjVQYVVEQ2xLQkVrWm0xd2pzMGJ6RE4xNllBWHljT2ZjVWRzdm1lUXlqUjljZGpUUkZLNC9LalNUK1J5TGRndHhIWXBkMkpLSFVndEZSby9FSXdXblJORFdRKzVMWWhrdzlQREF5YkJ3Sjd0blkvV053TXhkQ1puWVN4ZVZSUWs5Vk9wM0Naa240WEc5UFhXOG9xaGNpeWl3NEpjSTBrSTJMY3ZtZElNMHhNS2RiTmRPdWJOMGc5aE9Oek9MS3J3alRQYUtzTmw2azJPZHlyb1laeXZUVlc0aEtWaGxncllBdlErRlBlYjBDb2tyZW5SdVozc3Ztc0pkVVk3V0tkSXI2UzVLbENRa2ZMSmJFQnhiKzhRbmh0b3NHWU9SMUZxWm9LdVZKRnJDbCtYMHRwMC9FR3pSY0NmclhadXlhdGFocVc4RGZUajExSnlwRG8rTFRTMUVPM3NzYnZhdE1QaWFYU2JvaS9oVVQyeURjbnIzMmd1MGxTSzY2dDB2Y2pEanZjaXNWRWVFRGJQa0kvbDZZbDJGZkhEdEt0OTBWc1RFTVBrSWZKMVZJc2hLV1dLRFJBeWFsOU9OdnMzT01peWtGZ0NZV3lablI5cXJMeENtMnM0NWhIbUpuQUgwY0J6STZwbGxqNC9HTWUxbGVzbTFFcVo0aVdCUXVXYXMwWE9QQ0swQlhHdEJmdDNqczN6MUM5LzZZQzdRZU11WGI5OTd4R1V4T2ExekVCbnBKSHhyNkhZeTdaWHRNakdLTzBKMklwVzNKd1RmK3Z4L09NMzV2L0tQSnQvOFNZRUl1bVdjQ08wUExiemtIbytUMnJjcTN3STIwSXVPa2hQcFRBNmZyeWN4MVlBYXhBVFJKYkc1Y0RnaXRyVUR1emNYV1dhNDRKcWFGTnZJVDBML05QVE9rVUg5cDNuQy9KRzBEbmVrTFVDMHlUcThkbk82azl2ZzRTMU02TFhDSE9FSEl6MmpqYzVNd3dKaW0xNGREUnJiZ1NNOGxkVnNHTlhvbThzVGd1Mi9tWTMxeEY5Vy8rczBXNXBJSHlBN0wyZ2Q3bHk0cWwxaXpDWkxDM0hhQkJaVG5QNWdNcDQ3UVozWW9HZTZMQ2VWMEc0SFhaQ1g5dFhHcTJDektYT3pwYTkrNkVOdHBmN3Roejcwb1QvbU1ybmd5bTAvMjlXdXQ1MXYySHJrT0NJdjBSRVRSOUE5RnU2NE5vWXNFSmdjNjU5Rm5tVEQ0dEMzYlNFYjhUV3lHM0kxVkVxMG9BYTBJUzl0MkdiSjJJNzVKY2czcFUxeHdWMGNQMnhEc2R0UGN4TkFoYWVza2Jad3VvSUdMbktZNzBveUUxelZEck9ydm52UGJGRlBSQkhNQzFkd3ZrUUhhb2lVMUZQblNjSGZsZFBaaUIvS2dsenc1RUdXQWQ3eHFMQk1PTEw3ckoydXJkOXdCZDJPdXNPTVRaNXRiWlZ0OVVLN2FDSTdFN2FDQ1hEQjJzeUpUL3hRMmZWcUthd1hUdUpYWGZZZStBOEthay9PQ1NQVWxqYkZCZldHRWdiejk4eTR3dXRlbTRMRjdkRGFwdUVLR202ZmhEdTJKT0FlMkRTT1BmVDJZdVE3TUZEOGxBNGpzdStsVGFxQm1zdXVBeUd0L1lzOUhLQlpUZkROaVBSRTNHYkZPc0tPTXliWTBFQnhBbVJqSmF5TmRxdFVWSEJpdmI2cGo5TWw0UTRjLzVGdEg1c05qWkNvc1Nkc0JTTkNwRTA1VkZGNm1SNjdGalIrRWRQbGVXUHdIeGRTemZpNmlPNzY4N0Zja2dtdWFKc2hDdys2eTIzaFRGVExhYjFtM2kvYXAzL0IzdmYwNkFoQk5BUnh5Njh6b1Iza1BmYlNOdlhUS0JHL2JramR1ZlFlNUo3WWN1UStBdiswb0Z0aWtJMFV4c0NHaTRiREJQTURtWjUzSGhoSHJwMmVzRmxPNjFYQmR0cFVyMjlZRms4OXFiMEtaby96REMzcENhTWE5dVZucHFCdTYxK29ySTRScmJNZVI0MExZWXlZS29odWlCWHVhVjJjdUltbDl4MThGUGJFeE9RMHNUcUtDMjRlR2pIWDBpMFM0TGhXdTlJVCt1WnRtV3AzcUx2RWdoMzRyaGgwMHdCRzk1cTN4UVNiT3JQcmh4cTllTURFOS95WTUzeE85K0xoRGhydHUxcDJ0TVBFNG5wbE9TTzV1cEk4SzFQcER2eXh1WWxBeFcwazJ0SkdpZ1lBNjVJM3hRVEhqNUhaOFJvSWp1aTVOdlR4aDVzaEtObUtoenRNTzB1ZmcrQ0E0QThXR0RraUhPOXNhZ2cxSElkaWFOTlpCdXUwRjkwanNBb3VFM3dOWmdEbXAxc1BBL0U5TVEwNDNmWWV5emVaaDVkOVN1ZVRkOTl3UWs4NGNaM2doVktwRWRTQWZzaXJCYlllZkgwTjQ3WnpGcWcxRUlUSGRJNjd5VlliVkxzclFqZE9UNlFUejZIb0VLRkl1TDlkejhIa2ZlTDRlV0pSN1hTZ0JsNWpUbW0yVmRwSXRsbkl0N3lFcVNBUXBIQkpMd3B4cmcyaHJaSndKNklkTW5tcEN5cmE2TVNoRzd5emJ4aWppSFoweE9SMk9VR25pMXFEN2lKcUZVTkg0WkplRk9XUnllQXh1aVRjQ2JWREoyK1BCZEs2OGtWdEI5clI2Nks0dEZOMjBVblE2VUo0eEx5bzVnV0NBejg5WVF3aWRweHFPN0M2V0xpanQ3WDlvbm56bDA3ZWxxTEJrQmFZaUhXU0ZVMGdSdEdUUVl5Q1grY0RkMUpVRzV5NWh3N3F4UHNhR0lNTFM0cnl1OElyTXhxRzVHWTI3UVZiczNRR25id2pVZVBpMmhtU1VOUERhQU5jMzVKc0tiSk1IY0hMZzdkQXNPc25EOXpwQTFjMlR6QnRnTU5vV0YzRXBQTnRiWjlWUXlZdkVMa1Ywc2dzR3U5QUQrR3BNcUorMHZXZzAzblRNR2xoREZrZ1NIeE56MDh5ZzV6SE55TGVnZFU1djBlMUFWT3hpMFhCaGhvZkd3RUU3ODRiR0ZZUWt0RzZFdExqMkNEcHJlbVZLOHhDWU1mRmprZjRZRVRHSEIzMW1JZXlXNGorek5tR3FaTFJYVG84cnMxOG43VlBTQmJ1d0l3ZXNEd2RiOTNuSEUydGx4M3YvTkNycFRBR2lTOGRXa0F6TDV6azJBY3RqcGZIWlFJTDlsa3V1c2tGcWNmc0JDWTZFTmJCNkU1b0I3YktZd0lpMzZ0WXV1Zk55TEF3MXg3YlhIZXZjcjR6Z0NMNnJtU1IwT1g5ZjExQlY0UndvdGdteW5HUmdzUmpSbndDMzVObkdhVXg2UEVvTnppeElTdm51QmhTSGFTYkM0SEprVTI3dTQ1V3lxNUxKMVVrOUNRNkZqeTluai8yUEg3d1l2bFE2NEZObTdzVVJOMVhKZ3Z6VU0rNmZHZGtXRTNpMmpTTDByQzZRUGQ1TWFpTklPTjdGV09lbzlOY1V2OUJOZnVPY0lrSzV6dHdaYnc5Vk5MaS82MDhDSllDM1ZBemJGa0tRb0cySzhZbjNDT09uSjhGNnVuczUyVlp1SlB4YzJXbzIrOVZZRlk2b3RvaWpnS2R1OUJZNTc1ZzhtNkFUU1dTeFkrTGJVdUg0WXlVZ2tTQlo0V2w5WjdZNGxsMktIdzRwYUhNa241MU9Gclk1SXVtU21PZU84VFhROG0rdmJsUzdjRC9QWWRGdmsvcTJnaUNZcDNaRGdNU0tUajJDa1JTaitMNDB0ZmJGV3NlcFdGMTBYQkhiNG12ZlJYNXdmVURRME9qVjBodUVDZkpmMEtpNVZMVFBSbnpOanJLL3plK3JtVTdpclFqRnVTSUlJbGRUZVRUT2RZVkZ0ZFFyTCtVUGlrSmQ3VEZXVnZKYTluenYrQ2dJMGZnblYwWDFldS91K29GVDh5Vmd2WHhZWHFXZTUzOENiVitXSFVZbU9xelZDYm85WTdKcWdQcmRkclNSSjJ6V2luZExnbDMwSGtlZ3piOW1vS2tibjE0NEdzZFJGZGJuejg3cFUzbG5JZzFScHhHbjRMTkhjVEI5RTdVRkJlQzhKald5cEhVUTU3L09tZUVzZm9jbTJSK1kvUWtETVNON0I1ZjZjWitRS0FkeU9SbnpiYmVNK0hhTEwvQ3ZjZjdpU2NtNVA0cEZqVmdWOGxNUEcrUUN4S1BDZTA4Z1VUejJ1T0NLaTg4bGF2YjBYcEJEMnZQcGJkNURFa21ieTkzanhzVWZJczdLZHBjYWhwUWJoMHVIU0xjbklxaXcwanNnUW41UUlocGwzbWY4TWpHRXpQckNqbWRJNSs5SWlZMG9iY09vWjN2OUwwc1NlM3dZbjd5d3Nub25SbjErMWc1S0I1U1M0WGtpVkx1T2Z6RzBNY29yb3B4WkFpd1FvUXRjOEU5TWtVbldwb3V0dmdSbVc4ekMzcjlEVjk5KytjeHIzRGRmT1lkSC82S3cyQVRzTUlMbStiemUxbmJ6akpiYlNlUlVOa1hUa3V0NHluWjQwSzBNVmJxYzBHcFptVDZvdXRITXdUUFNMeDRxRzNuOEgya3hLNll3QVd0QXgxNkVVMllzc3hkc2ZrOVVxZnJRemZPRU1mazdaTVc1MHorSzZ4U3A3cnNlbGVwM3dncjJYUGUxZWVoNjZlZU1pa3UyQ0xnN21HcCtTdGtBdXZGaDN1V2drYjA4UHpEaDEvQzlmRGgreWU1SnhHdHNOa0NTM3JzOGordGJpYmY2enRTTDdhd3BzV3ZuNFhyK2Mrdi9way8yVkhxTDBWcWs1TkFpNkRyb1NRWGJKSWRDRmJDOTZ1Zm9pVnlheUlNU1pNc2xteXlhZjYxYjVQTXQwNitzVTlJQkdyVVJkT2NhdWsvTkNuTStRZC9KbFp1aVh2Q1hLUXIzRWJPNUlJN3ovdHh6VmEvY1BzVHJPNmhtSm1TWnNLRTJBMGpDWkxMa2dOaG5peXpDckgrK3QrY2ZQUGYvWEJKa1VtNDFSMUZ4eVVpV0ZJbHdwcyt6WkkweldQcG5kaXdNQWxISExKQXpySHZPakVPMTZkNFFCSVJMTUd5ckY1Z09aSm1tWlNBR2lrNUxkMkp1TVpwOG5QbURjU0dNZit2bWF0SVphRmdSQ2huYmZBZEFmNVpnQnh1bEJYSytXMGVZNWZMYnQyTlV5NXZ3T1RJUjgzeWM2V0RTTEZRTUNLVXMzcDVlT2h6SmUxelpDcFpjalBkUThrMkt0SGhLQ0JVN2tlcUNBVWpRam1ySzF5WnBNdks2Vit3RXExc29DN0xhN25MbkM2WndiLzAvSG41LzBsVHdXa0FHb29jVWtGUTBsUEtKb3VPQ2VncDlTMmVSWVlCQVJqOGFhL0Vhb25nMUZaM2hBRkllbHJoeEY0MzBoZTNhYTBsNUJIdytDMENwelN0eUI1VTEwTUVwMVk3RUt1Z3BLY1YzaEJsUzJSMzdpcmFLYW1mc0R0dXkzaVNhMmRZdG5CNFFWSTZUSTZGMjVKMFdNSnpsa3JzMWt2a3FaNElOMFgyWFpKTjUwVEgrYUZtNldMcEJhYzF2eVZpU1VsUEs0dGYrT2dSWTZsbzJsdDZTb3RYeWRoMHV4dG81L3ZZMzVXdEcxNXdXdlh5TFQyU25sWldMd25uMHdWMDdrcjRuUFRzUXZOS2RHeG8yMUkzRnpocE9pcXJ5QW1XQ1doKzY3YlBzaVhOTWdNaTZhVlZBMmZ0UWZtN1ovVHM4ampRUjRkZDU0YUNscHhna09NWkRlRTVKTzBsNDZrVGRzWVZseG5xbi81ZXFXdlZ2cDluVmYyYjdKTlQ0aXduT0FYWnRqcGd1WkptbVJGaVdRVGFFWkhObE5rWEtUY242L0NwS2ZnMlBNYjQwcFJLbkdDNVROZE9VeU1pNmZLU0ptZGNicnRHNHBCSG16TnJYRkRBdnlQd3ozWisvbUpLWlY2d1RHaFptSjZreThwNS9nNDVFdlJja2xwTmk0bElpUVdUNDJrR1ErdWVLWGdpUmw3U3RMS1M5T0dNVTc4ellaMGwxZHdkZTdsOG5lS056QkpjRnk1QjByeTJPRVhmOFJTUmFBakhGaEc1YTlaSldZd2pHNW9oT0JDcmlhUmxkVkg2bzlNbWQ5WjRaN1RReThuYytzWEUybWNJZmx4MFROS0pyZFJpdFFacURkUWFxRFZRYTZEV1FLMkJXZ08xQm1vTjFCcW9OVkJyb05aQXJZRmFBN1VHYWczVUdxZzFVR3VnMWtDdGdWb0R0UVpxRGRRYXFEVlFhNkRXUUsyQldnTzFCbW9OMUJxb05WQnJvTlpBcllGYUE3VUdhZzNVR3FnMVVHdmcveThOdkhsL0dwNnRyMC9MdmZ1ODFmZWsxRmtOOHdKOTJHUnZPZ3FoZFM1RDNzdkk2ZEpYUnBXMVV4WHovSDFvejNpaTVkbW4vVEtRTHdOL3pUNFdPclh1cXBqbjdzUDJyRWRpdHlidm00cjBiak9Id2FzWEkvVlh4angzSDBZekhsN0RhOFVTSHF5TmRLR010ZjQ3dno2NStlMFBuRWJ6N3lVOXVWWWRjNlFQUzY4cnVZNDhzclZaRHo3cVYrQmNlZmxGVTF0L0hDLyt1dEZ2Ly9yVmZxU3Vkc3BUajNOZ2p2U2hDUXpSeTc0VkZQREdDWS9Fem42d050TFBPR3Q5cU5SL1BNMnlmL0gzOFlZVThYQVpTdXlJeDF6amxjeURPZXhETzZvYU1MMGZYa3A1LzhmR25UMzh1RFJ5cjlMN0kvYmRnMVFEVGZGT0Q1cm4wbk5oRHZzQVBkeDg0RTNQUEhyMDZGMUkvdUJWenp6NjFFZmUvWG9rWDNRdFBaY3l6NU5lZU9DcW5KSm90Slg2V3piL2JlR3JnUnVUbVU0UXBlZkNIUFFCNzFtMXhvdFhUYnIzamVGZFVVOHN3aXp0L1IrSDRYY3lYQTFWRXErbDczcmVnaDE5a1pkT2U0ZkhmSmhsSDliVVV6dXo4WnBPLzFUNTJIdlpGYnltSk9IYW5lMjZFMnJCQzFFVW5hUDZpd0Q3ckZ5THZuaVY1UkJpVHN5eUQzdit2ZUJyQUhKc1c5ajFpaHFJSjdhdGlMaXZFRThsc3FxUWgrUTF2THBjaDc5d0dlL2tTbm4wZlU3TXNnOG50MzJMSFcrSjh2NnUrRTV6bnRYMlhDc2F2WGZzdXltaXVZbE1iVHFYVlBZNU1LanhyQkdIU09WNGVsN01vZzlEdjNEMzRKOWRHOHZPak5hVEJnc0ZUMXdSVjB2MXhBbVVZYWQ2WGhxT2tjM3NzeFJMbmh1ejZBTVpxQmExNlJXSGNUdHBzTkNURFhWZFhSdWloUDRzaTVnNUhmN1ZxR0dLSmMrTm1mZUJ2c0doN2Q4THIxL0ZaSEVuRFpZV1hwYmZNN00xVkxocjMrZERpYnhnRTZ3RFYwV2FWY3lObWZkaG0wVEJHRFlQYk1kTnNtSFNoaGp3RzVGWCs3cGVKU2EwS3M2NXJINUJ0c2UxbmVUNzU4Yk0rekR3dTEzOVNaUUhEdGltVlZ1RE9DT1hHMCswRjNjOFE0Q2dQaGdONFdYKzZpWFg0SUJnZEV5WldBQXo2MFBMNjBPSE8rZXVuVzBMYUpsQWM3bnhSTlBIU0hHQm1WeThrRGQ0SlM5ZVIwbU04akFscWxvQU0rdkQ4TUFoWnVGT2xuOFVXdWR0c0JYRFNjY1NlK21pc2VMZzZmWGNHcTBUMFJwejl0UnhxNFhMRHhNTFlLWjlhSkMyV0xpVDdkb3BkNVp1RU52cFpoYjJLT2RvSDJPTjFvbU13RHczMUxwS0Nhb1d3RXo3c0VMYTZsRUR6dmFzSSt5bW1IS0JmU1hkUmJtdTg4UWVGQ0hlRnFTL2IrUWQ0bWFvUEY1RFRpMkFtZlpobTJ4M1d5elM2RjJiVm9sVlIzQXdGdno2S1dOVUpnWlFoQTlQVGZFdW1FOU1lays4R3pEZXdnS1lhUjkycjMzMWJmYkptTjc5SWdjKzBZdk1TblZJWURKTE5wcC9Ca1hZS2UwRXhtQmFTMjQ2UGJuc01MRVFadEtIUnQvWFBXRVIrNWJKMlVtYTZLYVdOb204ZmNVVlVpZFFoRDkxTXdWYlJEdmpGQys0RU9aNEgzUzRjeDEyNUI2ZjZLdGYrTllIYzZIR1c3NTgrOTRqSWQ5S0dWbFJocEZOZ0FpMGMwaTBNNHA1d2EzL052ay9CNlNlaFRESCs4Qk9kM3hUL0hNbldmdTJXRDhhWGFVNlNrNGs4YkV0WDB0cTZneUttT3AzVkNUZ1hCcXEyOG50Y1phOXlqU3pFT1o0SDNTNEkyMEJyVFhaV0s3ZG5PN2tBY25oTFV6b3RUSTJFUi9iU3RXSmwrc0JCRmtvaW93Mm1OZEZFaDdsdEVqNXZ6ZysvTG1zTWY3OTdHTjJYaStFT2Q0SEhlNWMrRFp0YXN3bVMrdDM5WmVhRC9CQnBRTUlZREtlVzduOHZxSEVleDlaYmdLaFFRUXIraERNeTZJd2RoVkJMYTE4N3ErcjQ0a2R5SVV3eC92UVkrR093ekJrKzVySmNaWU5vYTloY2RiYnRuaU0rQm9KK1YwTlZSTDZuRlFjWU9TbmczWUtSejZiaUNMN3Vvbm0vM0F1YXlITThUNjA2R0czNzlIRURwdG1yZXFOZTFkOTk1Nko5aytFcmVDczNwZWNKNldQdXR6aGdLa2czM3NacTk2VmMxa1BWdUdvdEdLZkZFVVd3aHp2UXpzeTQ5RVlteno1ZHdEYjZvVzJNZlF6WVN2WUpwbHVVTlY4SXYwcnptZ3VVTERlaGRxUVhuNGhOZjk4ODFIZW1CYTdLcHBkQ0hPOER4TVc3dGpld2JVYzJIU1dEWFJRTnZKZ0IwcjFmVzdKbDNpcmZNVTUzelhzMHlxTEV3enJpM3FCVnhvNmErclliM3N0aGhubUt3QUFUa200Z3hFcGhpWkgzTHJFamFpeEoyd0Z2NGdSYWROSlBhaGxsNjZQWFNlUVBHQWNmSldMaHNwaVJjTklmOStJZDIyM0ZzTWM3VU5KdUFQMnZnYzdRdCsxR3EwS3pvUjJrUGZZUzl0VWhhODQ0N3pFelE5YmZBK3NjME8wNUQ0RENBNU1IclJUcEJiREhPMURTYmlESmZUVXRJNmI5aXF3UE9zRjhBMFE0WVhKejRXK1ZKV1Vkc3QyVDJYS05jSHFtL1JZTEpKWngrZTViNU12aURuV2g1SndCeDRjR2pGWC91VlVjRnlzMzVVTFRERHd0bWp5ZlJRc0RyQUp0OGgzM1R3cUtzVEVjaEdXT3hsYUVIT3NENzE0dUFPVDZydWU3ZWlES2RqK2xlV01uRXMwSEpKblpTcmVZU25PTkl1aUUySk5iV0ZZR0ZPN3BZZTNNY2tGTWNmNjBDS2pRRHJFV3NxL1JUOGd2c1VObHkzaGo2a3NwK3BkKytBK0xhVC85K0hBTXFSMkRuMkRtRTlQQ3JFRk1mc3FiYXY1QVp4WUR2SThnTzE3SVowNjhYN2FENWNWbWRnTmtXVlV2dXZZNzRpV3dqeng4ZUZRMkE3czZ0d0k0MHU3VjBWeVFjeXhQcUFkdXpTYTV2SWIycVFrMGwzUEFYQXpYRlltVnJQTlM3ekRpQytwS0NhUDgzT0l0VmlEMm9mdkcrRTlaOU1MWW83MG9TVGN5Y0tXT3Q0dlVCZFVZT3h3OUxTWHFXbTArQ0tWYlhyejBKRW8wdzdta0JzOHlCbEZMWWc1MG9lU2NDZlVEaXpmL1dqUUl4Nmg2RkJFNzdTbktXbU1FNXZpWFhYcml3bnR3RjdNamcvLzIrZ1VGV2luR3VaSUh6QkorSFEzaUlJNURHTzJxNFFPZDA0OWNwMmFzQjA5ejB1bHhyN0h1Z2hwVDI4NXBWMDVUYnB3UndmWGZkWllOY3lSUHVnWTlZSlZXUkRNLzJzVzlUWGtZK21tYUtSbWs1TitBNVMrbDRibnYrOHBzV2JCWHB4UDhqYTlJT1pJSHdieGNBZkhYQlFxWUJKZmd6bmdKcG5wZ0ZzM2ZJY3FwL2hHQjhjdGZWK0YwQTVXQ091SHlQcTVJT1pJSDA3aTRZNDJGVzVTVU9Oamc1YnNBQzErc2Q1WWRyVjdseTVhdSt5Y1djVEtROThUaER0MjBpMklPZElIaklLYndiUXZhSFNmMGpUY2dSazlZSG40SHhVNkRXemVlb1h6SFYzbU9kZFBFRTJxS3JoZTUvUzBaTWNQRlZ6eGxXYmhXZ3h6ckE5b0p4YnU2RDNuY2Q2ay9RTTEybVRQWXpPczZQNjJ3dmxPNDgvcGlsYnBRSFVMMjMxajBjSUpzeVI5bUhKY1pHUjdIc3hpbUNOOWdNTGlVUzUzQWtEaWx3YTlodXBaOXhyOXA3Z3crWTlzMnQzQkxMMHVuVlNlMkNvVzc2RmJwckVLNWdkZkRUTWtaMVJ4K1ZIVHFhbWg2WTE4TWN5UlBrRGRzVG1oLzUvTHVaa2NCbWpuaVR0RmlEK3lBRXZPQnJNSzV6dkZFdER6SzhGNk1YbFh6YzUwNEZ2WGNEcmVLNDc5OHJFWVpxaGlQKytxLzFNVzdvaHo1U3lEWnUzTXh4RHBjZDF5TXkzLzl4dHZTTDcyOU5Ub1dNdXV1ZmtDSDVJYlkzNDZnQnh4cmp6MDA1eUU4UHdzdkNwbXJEV3lEM0N3QVUvajFNTnpsZC9OSDdJMElLbGQxUTZaQmxBeUZhNmU3cDdyTWx2ZVh1OFZjKzJlK1lGMHcyOWp0Q0FNUnQ5d1lhaWNUUytHT2RLSFFVbTRvNlBUNjd4NTh3ZEx3d09UTkpIUEJ2bGxOL0p6RXkwOE8zMVNWRDY4c3FKN3hYbjd3Q3daMjNSYm9SYzBxeDNFeDlhbUY4UWM2Y05KU2JpVFpZZDBlZFdtcmM0TjhsN2hncyt1YlU4eWZOYlVuZUo1WnBWVXI5QkM2NGt0ZEdZWTF3VURadCszV2JnRGpaa0ZMUi91TElnNTBvZDJTYmlESnhwOXJLNWhZYlNPOVIwWGtuM2NoZ2Y0WTY0QlgzQXRPLzIrVjJoMzRQWUhoNFV4ZFM2TE9qQ0JUa2x0bU56SE9RbFg2bXg2UWN5UlBreklob1cwanFUNDBYM3NCdy9hUVg1KzFteUxuTVdESnBzOSszNVAvZndmL1JOdmZPT2IzV3p0L3VzM3Z2SFB2K0dublNQaUlRTldwL3Q1cGJCOVo5TUxZZzc3b0ZYL1loejd0ai9XMWdKazQ5bkxQZVFHRGJGYjNFbkZhNXpHaFRIa2wvMTFMMnNieHJFcE5lU0JSNnVBdmFJZ1owWDA3NlB1S0Y0WHE0WTU2TVBXSVRCOHA2OXJDcTRkN2dmSjd3TzdPWWF4c2ZtOFlKdGpEeXFieWRERHBDKzMvb3dLMm5tYk1kZi9tdElyWnFQOTNiRzNhYjJWSUVkQ09paHgzakFCTSszRCtodSsrdmJQWTE3aHV2bk1Pejc4bFFBL0Fwd0x6OFM4ZDB2RHNyYWQ1WnUrejBWa2YwU29PWklJNC9QTGpYMm5vRjF2bTJMdWR2R2Q0dlh1elFXeGp6ekFtUjh6N1FPV1pYYVJXazNucU1uaTJSSXlBMGZxZEgxSVg3a0EzZlhuVUFrdFVneFViaEU1VzlKN3d1K3ZUdFEzMWMwUnRRK1VXd0F6NndNQ2lPY2ZQdndTcm9jUDN6L2hzVmFCbWxxYURwVWZ1ODU4R28rTWY2L3ZTQjBxbTRDZjhDb21oOFZZU2Ivalp0b2FkeW5ZdlB4bDlkNWpqY3M1Y3JTNEFPYUtmV2l5bWY2MWI1UHV2blh5algxQ3dodFNGMDF6N2l5OXhGMktyWmVFOEpxMUFPYUtmZGoxbnNaaUtic1B5TFFyazFtVVB3bjJpTHBHRXNKcmNnSE1GZnV3STIxWk54Ky9Ea25NRVpkWW5EdU9Mb3Q3Tk56Umk1Wno2N05hbEpnbFBhTThJcTRaRWk2N3d3Slp4NzdUeE1DZEpOTnFtOHdQNjNNWG1qc3RMVEZMZWxwWm5kY21jZFpVMmEzRm5mTFUrdlBNTmVaK3JmeFlySlp6WTY3Y2g1NjZzaUNtM3pmVFBkVDBpcWJseHVHemNBZkY1OFpjdVErYmZCOWFEbjNBRHNqTDVSYkw2VWFtTDRKSUZ3UGt0YytOdVhJZkdqNDJtOTZ2Y1FUMzlCTHo1SHI4UzhPL2JpckFpUlhmSnM2TnVYb2ZFa3MwMGhlS2ViUml5K3c0VXo1VTZxRGc5bWlRbXJQbXhEeEhIemFpaTZoRjYrNDdZdnhjeGgwbk9tYTFSc3h2UGFKME8vb24yL3NwelVyTWtrNm9ZeW5OMi9ZVzNZSW1RTkVpVFJNUDRwelFhQWVwNGdqUjF6QW41bm42MEhWYlpOOThtRXA3NDAxWXJpcG4wMnh0Y0pSc1p0WkorQ05MTmgvbWVmcXdrUklEcnlnOGYvT0tYSjNpdUFiL1RGRDh5eHdPRHY1bjBQQmNtT2ZxUS9EQ3B3QUxHSVBvQmlnbXVTaXZWNnlOVU1xdjZhb2FlQmlnSDlRNUYrYjUrbkRDenJnQ0pEbGp5Q09PdU5DZGNGZlYrL0o2UnJmL3FaOWx2ekpVdDhlUmV1ZkJQRjhmbHUzaUVFRmhXSnNwczYrOGVLV2N3NmU1dUQ2RS9tWUgvOTk4SENzOUIrWjUrekNldWVjOTFDOUFTdVlBQUEreFNVUkJWQWU4cjlDMVk1YnIxZi82bTVQYnYvMEwvWGl6MVRIUDI0Y2RjaVFZeGJLYUZsOUV5MVpuanQxWjRaU3lsVEhQMzRmREdhZCtaKzdZZndyZU84dGFUZ3F0cW1LZXZ3LzBIVStSVGpaTTVCSEplbGxZSis3SDBpblZWOFM4U0I4K2VqRUZSOVo0NTdUY3U4L2Irc1dVT3F0aGZxWDdrTktEV3FiV1FLMkJXZ08xQm1vTjFCcW9OVkJyb05aQXJZRmFBN1VHYWczVUdxZzFVR3VnMWtDdGdWb0R0UVpxRGRRYXFEVlFhNkRXUUsyQldnTzFCbW9OMUJxb05WQnJvTlpBcllGYUE3VUdhZzNVR3FnMVVHdWcxa0N0Z1ZvRHRRYW1hZURON0cwcFVuTHI2NUx6c3RQVEFmbm1wOHRKNEpMMjlVeExiZDVPZlJJZ3N5OTFtMWJIbmViTkFtUWJteVVuZ1V2YTFqUDEzcDd4Mk1helQvdFR5OTk1NWl4QXRzRlpjaEs0cEcwOTArN2JzeDc2M0pvVVR5Tk9xK1F1ODJZQ01vM05sSlBBSlowQ2VqVGo4U3k4QVRIaDBkR1VscXhNNDhjL083bjlPMyszYkQ0VFFJMmZlY1B2L1ByazNCYmtkeUxITXh3bGdYTjY2WFVsMTVHckFDK3RmZXlKZUdwMTlxT2o4WUp4N2krUDhPWlZQUE41RzMvVWlBSnE0L0ZRVmZKb0laV0xONFIzWFYreEhFNDM4OG9qZjhocnhzWUpEMzNPZmd5VGdaaE9mQklmaXZnTFdmYUpyeW4xR3pGSkNtaVNZeWRqU1FwUU9jSm1TUW1jMGUySVluS1c5OE5MS1crNDJMakR4L3VnSFBQODlzOHE5ZTlaWDNLQ0Fmb0QvMTIvM2pvNkJabGNXRTNCa2NBWmpacHZQdkNtWng0OWV2UXVKSC93cW1jZWZlb2o3MzQ5a3Y2ZExjK2xQSWFaOUhoOEdVTE9YNXFvRi9xRzlUWVZlWlJiQXBxb1cxNkRvYVJjVkVnQ3B6VGVuZm1DMGJ0K0tja1RVd0hlYUdPVGVGRm84ZngzdEc3UFBQU2ZLdkxNdVZKZCtsNkxvYm9KN0VJQ21xajRFK0ZTTG81R0FpZjBtbnBxRzhlckU3eHpHM3RudFJLOG9TVGF5dTVzMXgwdEZ6QS96ZDVyZ2RkZHVKZUhHbEVKQ0M5Qmk2NnBVaTVvcVdCSTRJVGVVNzlsQ3dHSGZ3SGFybGZVSUdMYnRneTVyN2pYQmhIbUhNbEdSN0hBSEpaMHpLdVJnR0QvM2trU1VTbEhzbWhTQWlmMHlXM2ZTdUpMVmNvUnhaZUk4NnkyNTFyUjZMMlROQUdqUlNueldmRTJIUXdhV1Q2MXBBVEUzQUNwU3NxUkxKYVV3RDA5OUMzMzdDdGJkTkZsTjJEci9nVzhyTTZBT0hGRmdxd3FERVE2UjFSZWY2MWpueklDUUhpVjdTVVZNT2xBTGlLVHN5UndUNU42VytSRnhIZ2JyblZIMjhxdlhtWDE1L3dOOWtiVXFhSlRNbUVxSXJwcUtrWGZ4SXZYcVFwQUEvdWFJbDV0SU1lelBTV0JPNW8rNzkrbUpyemkzdlo0bHVaMnRMbmR4VXRtTUViaU5VZVlPR3pPQm9CT2xEcjFmWFdwUU03bGlJUUU3dWh0TWs2d1lEOG9PMjU5SGthYkZnMW9zbEVTZFVSRXkxbjYvZE5zWXVYZlEySExZUUNvRzM5eFp5QlgxcW9FN3VpQlh5MDFyZ2V1Z2sycnRnYjU1S0xMalNmYWQrQjQ4TGJiSUxKRDc4bWFGQUxxeUxtWXd3dmw0cWpCbGNBdDNmTDYwT0hPdWF0Zyt5V1RYRlkyNWZMS0VrMGZJNVdKek9SamxnVHpzOGRjVVFBSTRVNVFCTzBFY3VWdFMrQ1dIaDY0TW5DSFpPenYyZmhxSXkwVzFOWHNwWXU2Vm1XaVE2ZTN5WVE5a1ZVckFGUVM3Z1J5c2lsUFMrQ0dicmlWU2IreVdaSEFadGRPdWJOMGc5aE9Oek9QaktmMFJ3RXVPU3YvdEJJQkVRQXFDWGNDT1ZtdHB5VndRNitReGFESFp2eWVkZEJkNWhGOWpaSFVTcnFMaXBUT1dkcE1oRk1HSDB6dmVBSkFDSGV1SXZVRmNoRVp3NUxBRGIxdDV3L0VXalRjeVhyWHBpUTFhc01xdThHdm41YmxKZkxQb0loK0lEdWtuOWtKQUEyQ3Q1em1GUVJ5UWJXT0lZRWJldmZhU2NCeDA3MWM3MzZSZzdmdGU1RlpxYzdDWnp4WW5sd280VnZEd0RrVUlhQm1WQStobks4dlNFbmdCZDNvZThFSjI5OXNtWndkUlNhZkY0Nm4ycUhQaUF1V2NnRWljaGh4QnUzc216SWhvTEZYSGFrM2xDT1pNaW1CU3hxZjlGS3huY0E5N21sWHYvQ3REK1pWTjk3eTVkdjNTZy9SSW9kQ0VrQVNyWStZSXF2ekh0am5wZ0lCQ056aVU0SnYrU3pISStTcUFRODZ3azUzZkZmRXh6L2F0d1hPUmxlcGpwSVRTWHhPeXRlU210THZ2YldMSlNrRHYrc0NWUUVvRDZWZnlyYStwZy9wYnc5OElTRlhEWGpRRVIzdVNGdEFXMDJ5V3VDTGVqZW5PM2xnZW5nTEUzcHRudlNBNU9la1NFNWlVb1BBWXRtbjRwajkrblc0ZGczbGdDQUlCL043V2V2MnYyVFoyK2lzNUhJVmdZdnZZaFhoemdWRlZhVEhiTEswc0VHY3dHS0sweDlNeG5OV1lvUENZem1KaERhU0o5a21tMXg3WUlCdFRZb0RRcjE0b2VlVGo5L3FnY1c4Zk93YTRuSVZnUWNkNmJGd3h6VXlkQ2F0V1pQakxCc0MvL0NMdVVDYkdaYitXT050enAvN2ozWXcxNkYyOUlTenNRY0hoSllRSWwyTmZpMXZja1NDZFM1WEVYalFrVlowdFlDbFhQcStydXJWdHF1K2U4OXNVVStFcldDTXZmQThLUXdSUm1QemUvVGJ2U2RQOUtlWDNPTEFBT2syQmtyOVE3UE90Y2hCSFpPckNqem9TTnNQRCswWG16emIydVRiNm9XMjBkaVpzQldNOFFVdFhLUS9RZnZLMHErV3dtZFF3MVUra1pDdzF4UDhYdW1IamdIUzVadEtUZTRYRlRWSnNNVGtxZ0lQT2pKaDRZNkZEZGR5WU5NWUp1MGFSLzR3Q3NQVzk3a2wzNXF0OEoxaTNWUFlxbll6NUNxMFk4eVZBOUtOajMwQUNlVmFPRnl1S25BTXg3NnRTZDlSV3l6Y3dZSnc1TVZhbDBnVE5mYUVyY0F0RW1sVERsV1VYcm8rZXAxQU1xSWRYWVhSRGdla3k0NzhzRGI5YUhHNXFzQmxSMHJDSGJEM1Bmd1IrcTdWYUZXQXNicnd1WG5lWTBvWDZRcmZLWjZpSFJPeWMwQzZBZUE1S0JyS1dsNDdYSzRxY0hTU2RhUWszTUZ5ZVdxYXhrM3JBa2JuOWhaQTR6TjFpdnhjeURNU3FTYTZHckVkN1hlTTdYQkFxQlpHNG5abVkrOEh1VnhsNEtJaituU0gyVUhSSDdnQXo4Mi9EUXFPTzAzb2VtQ0ZlUHdzSVZFMUVJTXh6dkRLREpDdUdHcXdvUkFXRERkd1RLNDZjTkdSWGp6Y2dVbjFOWWI4eXI4MGpZRHR5dENZOG1aRUxZUGtXVmFsTzFCbzdjaG9VRS83RjRxS0dDRE4wdUZPa1pWbEhSOWhNTG5xd0VtbHV2S1dYek50Vy9yT0dsbjZIRGdETWlWOUZHTEs2R2hsa1dzUGFpaUpCbzNHR0NEZEZJbzhOazNTQTJZbVZ4MjQ2RWc3SHU1Z2g5TTNiWnZiaWZmVG1QTE9xSXZjU1d6ZDQrV25VbnArUDhtVy93WVYya0I0Q0xacEtRRFU5SGhnWW03U0IzSlpKZUNpSXhPL0xsSm9zRnRLSXQzMUhJQit3bk5GcFR3emdhTGJUU0t1MmQ4djZBRFEyT09CdlRnOGdWdzE0THdqSmVHT250VUVwVTUydk9lakxxaVE2bmg0b2xnYXFUZFVidmg5RVRSa2pUSUFWSnp1NUxLd3ZFdGJLSkNyQnB4M1JQdTkrN1ptY2c4YXdkeDJ2Mi8xZktSaGluQ1ZrM29TazVpcmJydEppdXg1ZEFFZ2d1Zk1SMkxoc0ZZRHpqdWlaL1lSd1dPVHdmUkY2T0Y4VFlzRlE3cklaRUd2ckVNN3N6aFpCUHFPYmx0MEVoRDFmV01TZmtnNUhhZFZBTTQ3b20zM2dnSXlhZWI2TlkvNm12Q2pYcnpTU0gyeldHMFNhM3JaRnREMUMxSUNRcmp6eEFwT1NQZ2w1U29DNXgwWnhNTWR2cUpyRk1UWHdGZTVTV1lBaWpEQndrNi9ONzBlU0tHMkM1VURRSmhwVjBZU215TWZLQVhhcVFiYzE2b3JQNG1ITzFyajNLU2d4c2NHRFZ5b1dVZ01RKzhrTGwxNnJvUmUwbytEa21EYVdTRUI3WGs4eVBKNHBCeU4weEtBODQ1MG85NHdqOVAzR1ZpbzBUSXdHZzlZbnY3RzYzM08wZFE2TzlPaHhLc0RZYjFvQlZWb1gyMWJ3a3phcDZXYW5vWm1yMXlXbEtQaHptemdvaU1kcW5mWFJMN25QQ1lrQzNkNmZ0aU1pTnphNXV3cTV6dnNmTVMxaTFsaW5iSjJyc2N1QTRteER6bWFkQW1WY2pUY21RMmNkd1M2c2dFRmJUby95RDVpSEJKZUFOZ0Y4bDZqL3hRWEJwbExhN1llK2JMcjBoVDB0MWJvelBTa2NOdHdlZkpDOE1EKys2am94L1FmZlFMUG9SREI4VXpndkNQUWRHalF1aEdvN2JHKzJ3dTA4OFNkQXZQbzFHYnFnZDEzaEV0VU9OL0p2YjZNUDdORDczWUNRQVRQcE5nVGR5NTB5NHNCNXgyQkR4T3F0bjFUNnR3bTlSMUt0ZjdSTEJGYnBEUHdHamswV3FKaUdyVUdTQ1lVQkUzbmVPdy96UUthL3QxaTNmd3N3dVVxQXVjZGdaOHE2VmVIZURxMERXZjNvdWt2a25xSjJDR0hHRkN5eVp6L05vNzlWNldiV0hvbmMwVXFKM2pnblRTMFRSTk5jcm1Ld0hsSE1MTkxmb2thY24rRThPS0JBV2NDaUEwN2RtQnZlLzlBZWxBdGlSYkUveGswMmQ2TEF5SjQ5b3BWZU5mczA3aWMzbGxVQU00N2NoSkFzbDA2ZExhU2N3RGgzR1QxaWlsd2RtMW8zSFpWWkJ2Z3M1TlNqWTVZbGZTYWQreUxja0FjanhackdpVndPWDBNZEc0cVNRRE9POUl1Q1hmMEZvZnRtWnNlS1pKOXREYzhNSTNpTnBEL3MrK3owbE1mRThFRmRrdytCSmFBT0I3ZGlENWcxOWRDd0hsSE1EeE1DVVVEK3EvNHZYMWNxRVRuQUJqKzVrZTJtdFRYV2U2Sml2VGNmN2V3WGJvZ3BiczBqSkdBQ0o2VGZGcXZXZyt4RUhEV0ViMmdXMmRMY09ua052Y0NaT1BaeXc5Nk51enYyMXE0eFoyVVpzMXhQY3YrOHgvT2xqWWhBQkU4VGFYWGh3MjdwQzRFbkhaazZ4RGErVTQvMnBFZDdxN0pBY051cnJmeEpTbldqZ2ROUkNJcDJTWmhVMk9rYms5cEtRNkk0Tm5MblY3M3ZoSG1jdGdCT3BlWUFOeDBaUDBOWDMzNzV6R3ZjTjE4NWgwZi9nckZrYWNSUlJBelJ6Uml4d2IvTFkyZlI1WnYrcVRJSkFoVlNHWjZjaFhQNnRscWYxU3BuMklsR1NEZ2NVdG0vbzlGT3c0UGs5T2hjeFhncGlNNjBLRVgwWVRCNU4wd0dEaEM5RE53cEU3WGgvVHBGMEN3bldJZHFreDgzSm55SDFicVBhSTRCY1R3ZE5URit1aDlUcHJLVlFSdU83S3RicDkvK1BCTHVCNCtmUC9FSHhtN05qSTJXekFnajEzV3A5WE54STJ4NXViVzVMSVhTZndTRHNIK1ZELzdKLzlZcVorVDlWQkF3SFBmNVFPUHR6bjl2eUkrUzRmS0ZZQ25kNlRKUE8zWHZ1M0FaTmxiSjkvWUp5UWNKdk9mTkt0cStsK09Db3ZXLzRBbkxnYm9Sd1NlVXkvTTVMSkt3Tk03c3VzbnJHODVuaHFRYVJlWFNPZm1iM3I0VnV4TkQ2bUFVdVdBU1FLWGREbnNIYjZrbHd0bTJFdWZUOHUrbzd4VVFLbHlnQ1dCUzdvY09ZNEN5ak41VG9mK3Z3YlB1a01xRlZDcUhLQko0SktlZ3I1TmR6bFQ1UENmUGU0L0lLYUpMWnlYQ2loVkxnQmVwU005ZG1Rd3BXK2I2UjVxU2kyenMxSUJwY3JocHdVWEMrV3RTM29hcE0yeUxaZ3NORmowQndsWllRbWRDaWhWRGs3NWtqVWxhWllwaUVhK2Z4SE1HRGwrUmR5T1BoVFZHNnJaVjZwY0pvRkxlbXBUaWNLTjlNVnRhbk96TXhNQkJiMHVxVmtDbDNSSk1jUGVvRUZudWVqT0hVWTc1YTNvbkVSQXFYSVN1S1NuZzFrU1RxdEV1bmMzVzlDUzJpazdFUkMyRDl6YjBqcElXZ0tYTkJHTkpidjJSQ21XNlhocEw3dHg0b3NrMGdEaHA4bTVnRmZzeUVaS0RMd2lYOUN3U1BkbmxFMENoRHFTNUNSd1NjL0FnbWlwNUZpVkZoekVmdWlqQW5lWVRnS0U5cExrSkhCSno4Ujk0czZVeWtXSDlHaThYT3h1Y2xJQTZaWlM1Q1J3U2M5RXZEdzdYTjVNbVgwekcwb1ZTQUNVVjVVZ0o0RkxPZ0hTV1B3QUZ4WTVUSXZRd29MemNXWURLdXFkTFNlQlN6b0IzdzQ1V1l1S3I2YkZSTkd5OHpCbkFqS1Z6cFNUd0NXZEJPNXd4cW5mbVR2eFQ2cHVjYUZaZ0d3THMrUWtjRW5iZXFiZTZUdWVJb0lOZFJEaHZweXNHWUJjMHpQa0pIQkp1M3FtSno1Nk1TMi84YzVwdVM5TDNuUkF2c25wY2hJNHBmOGYrd0JWL2JwR3ZRWUFBQUFBU1VWT1JLNUNZSUk9Igp9Cg=="/>
-    </extobj>
-  </extobjs>
-</s:customData>
-</file>
-
-<file path=customXml/itemProps1.xml><?xml version="1.0" encoding="utf-8"?>
-<ds:datastoreItem xmlns:ds="http://schemas.openxmlformats.org/officeDocument/2006/customXml" ds:itemID="s:customData">
-  <ds:schemaRefs>
-    <ds:schemaRef ds:uri="http://www.wps.cn/officeDocument/2013/wpsCustomData"/>
-  </ds:schemaRefs>
-</ds:datastoreItem>
 </file>